--- a/Final Report-Capstone Presentation.pptx
+++ b/Final Report-Capstone Presentation.pptx
@@ -6,35 +6,37 @@
   </p:sldMasterIdLst>
   <p:sldIdLst>
     <p:sldId id="262" r:id="rId5"/>
-    <p:sldId id="264" r:id="rId6"/>
-    <p:sldId id="265" r:id="rId7"/>
-    <p:sldId id="266" r:id="rId8"/>
-    <p:sldId id="263" r:id="rId9"/>
-    <p:sldId id="267" r:id="rId10"/>
-    <p:sldId id="270" r:id="rId11"/>
-    <p:sldId id="282" r:id="rId12"/>
-    <p:sldId id="277" r:id="rId13"/>
-    <p:sldId id="283" r:id="rId14"/>
-    <p:sldId id="285" r:id="rId15"/>
-    <p:sldId id="278" r:id="rId16"/>
-    <p:sldId id="286" r:id="rId17"/>
-    <p:sldId id="279" r:id="rId18"/>
-    <p:sldId id="287" r:id="rId19"/>
-    <p:sldId id="280" r:id="rId20"/>
-    <p:sldId id="281" r:id="rId21"/>
-    <p:sldId id="268" r:id="rId22"/>
-    <p:sldId id="269" r:id="rId23"/>
-    <p:sldId id="271" r:id="rId24"/>
-    <p:sldId id="272" r:id="rId25"/>
-    <p:sldId id="273" r:id="rId26"/>
-    <p:sldId id="274" r:id="rId27"/>
-    <p:sldId id="275" r:id="rId28"/>
-    <p:sldId id="276" r:id="rId29"/>
+    <p:sldId id="288" r:id="rId6"/>
+    <p:sldId id="264" r:id="rId7"/>
+    <p:sldId id="265" r:id="rId8"/>
+    <p:sldId id="266" r:id="rId9"/>
+    <p:sldId id="263" r:id="rId10"/>
+    <p:sldId id="267" r:id="rId11"/>
+    <p:sldId id="270" r:id="rId12"/>
+    <p:sldId id="289" r:id="rId13"/>
+    <p:sldId id="282" r:id="rId14"/>
+    <p:sldId id="277" r:id="rId15"/>
+    <p:sldId id="283" r:id="rId16"/>
+    <p:sldId id="285" r:id="rId17"/>
+    <p:sldId id="278" r:id="rId18"/>
+    <p:sldId id="286" r:id="rId19"/>
+    <p:sldId id="279" r:id="rId20"/>
+    <p:sldId id="287" r:id="rId21"/>
+    <p:sldId id="280" r:id="rId22"/>
+    <p:sldId id="281" r:id="rId23"/>
+    <p:sldId id="268" r:id="rId24"/>
+    <p:sldId id="269" r:id="rId25"/>
+    <p:sldId id="271" r:id="rId26"/>
+    <p:sldId id="272" r:id="rId27"/>
+    <p:sldId id="273" r:id="rId28"/>
+    <p:sldId id="274" r:id="rId29"/>
+    <p:sldId id="275" r:id="rId30"/>
+    <p:sldId id="276" r:id="rId31"/>
   </p:sldIdLst>
   <p:sldSz cx="12192000" cy="6858000"/>
   <p:notesSz cx="6858000" cy="9144000"/>
   <p:custDataLst>
-    <p:tags r:id="rId30"/>
+    <p:tags r:id="rId32"/>
   </p:custDataLst>
   <p:defaultTextStyle>
     <a:defPPr>
@@ -137,12 +139,14 @@
         <p14:section name="Presentation" id="{244FAB3E-F8EA-43CF-BAAB-A77D1023C503}">
           <p14:sldIdLst>
             <p14:sldId id="262"/>
+            <p14:sldId id="288"/>
             <p14:sldId id="264"/>
             <p14:sldId id="265"/>
             <p14:sldId id="266"/>
             <p14:sldId id="263"/>
             <p14:sldId id="267"/>
             <p14:sldId id="270"/>
+            <p14:sldId id="289"/>
             <p14:sldId id="282"/>
             <p14:sldId id="277"/>
             <p14:sldId id="283"/>
@@ -181,7 +185,7 @@
   <pc:docChgLst>
     <pc:chgData name="Jesse Richardville" userId="aa3fff267851e816" providerId="LiveId" clId="{202F20D4-4DC3-40EA-805B-ACF21F659EA2}"/>
     <pc:docChg chg="undo redo custSel addSld delSld modSld sldOrd addSection modSection">
-      <pc:chgData name="Jesse Richardville" userId="aa3fff267851e816" providerId="LiveId" clId="{202F20D4-4DC3-40EA-805B-ACF21F659EA2}" dt="2023-01-11T16:09:42.347" v="4046" actId="14100"/>
+      <pc:chgData name="Jesse Richardville" userId="aa3fff267851e816" providerId="LiveId" clId="{202F20D4-4DC3-40EA-805B-ACF21F659EA2}" dt="2023-01-12T17:03:33.686" v="6175" actId="478"/>
       <pc:docMkLst>
         <pc:docMk/>
       </pc:docMkLst>
@@ -268,7 +272,7 @@
         </pc:spChg>
       </pc:sldChg>
       <pc:sldChg chg="addSp delSp modSp new mod ord">
-        <pc:chgData name="Jesse Richardville" userId="aa3fff267851e816" providerId="LiveId" clId="{202F20D4-4DC3-40EA-805B-ACF21F659EA2}" dt="2023-01-11T15:35:30.618" v="4001" actId="478"/>
+        <pc:chgData name="Jesse Richardville" userId="aa3fff267851e816" providerId="LiveId" clId="{202F20D4-4DC3-40EA-805B-ACF21F659EA2}" dt="2023-01-12T16:56:57.873" v="6172" actId="21"/>
         <pc:sldMkLst>
           <pc:docMk/>
           <pc:sldMk cId="4177669055" sldId="262"/>
@@ -290,6 +294,22 @@
           </ac:spMkLst>
         </pc:spChg>
         <pc:graphicFrameChg chg="add del">
+          <ac:chgData name="Jesse Richardville" userId="aa3fff267851e816" providerId="LiveId" clId="{202F20D4-4DC3-40EA-805B-ACF21F659EA2}" dt="2023-01-11T20:45:37.483" v="4050" actId="478"/>
+          <ac:graphicFrameMkLst>
+            <pc:docMk/>
+            <pc:sldMk cId="4177669055" sldId="262"/>
+            <ac:graphicFrameMk id="4" creationId="{09118090-FC0E-E8B7-2D9C-9D16872A3270}"/>
+          </ac:graphicFrameMkLst>
+        </pc:graphicFrameChg>
+        <pc:graphicFrameChg chg="add del">
+          <ac:chgData name="Jesse Richardville" userId="aa3fff267851e816" providerId="LiveId" clId="{202F20D4-4DC3-40EA-805B-ACF21F659EA2}" dt="2023-01-12T16:56:57.873" v="6172" actId="21"/>
+          <ac:graphicFrameMkLst>
+            <pc:docMk/>
+            <pc:sldMk cId="4177669055" sldId="262"/>
+            <ac:graphicFrameMk id="4" creationId="{9910D54E-53AF-9212-4F1B-4053F8ADE4B5}"/>
+          </ac:graphicFrameMkLst>
+        </pc:graphicFrameChg>
+        <pc:graphicFrameChg chg="add del">
           <ac:chgData name="Jesse Richardville" userId="aa3fff267851e816" providerId="LiveId" clId="{202F20D4-4DC3-40EA-805B-ACF21F659EA2}" dt="2023-01-11T15:35:30.618" v="4001" actId="478"/>
           <ac:graphicFrameMkLst>
             <pc:docMk/>
@@ -299,7 +319,7 @@
         </pc:graphicFrameChg>
       </pc:sldChg>
       <pc:sldChg chg="modSp new mod">
-        <pc:chgData name="Jesse Richardville" userId="aa3fff267851e816" providerId="LiveId" clId="{202F20D4-4DC3-40EA-805B-ACF21F659EA2}" dt="2023-01-11T05:54:33.693" v="3985"/>
+        <pc:chgData name="Jesse Richardville" userId="aa3fff267851e816" providerId="LiveId" clId="{202F20D4-4DC3-40EA-805B-ACF21F659EA2}" dt="2023-01-11T17:43:55.151" v="4047" actId="2711"/>
         <pc:sldMkLst>
           <pc:docMk/>
           <pc:sldMk cId="2529888152" sldId="263"/>
@@ -313,7 +333,7 @@
           </ac:spMkLst>
         </pc:spChg>
         <pc:spChg chg="mod">
-          <ac:chgData name="Jesse Richardville" userId="aa3fff267851e816" providerId="LiveId" clId="{202F20D4-4DC3-40EA-805B-ACF21F659EA2}" dt="2023-01-11T05:54:33.693" v="3985"/>
+          <ac:chgData name="Jesse Richardville" userId="aa3fff267851e816" providerId="LiveId" clId="{202F20D4-4DC3-40EA-805B-ACF21F659EA2}" dt="2023-01-11T17:43:55.151" v="4047" actId="2711"/>
           <ac:spMkLst>
             <pc:docMk/>
             <pc:sldMk cId="2529888152" sldId="263"/>
@@ -414,7 +434,7 @@
         </pc:spChg>
       </pc:sldChg>
       <pc:sldChg chg="modSp new mod">
-        <pc:chgData name="Jesse Richardville" userId="aa3fff267851e816" providerId="LiveId" clId="{202F20D4-4DC3-40EA-805B-ACF21F659EA2}" dt="2023-01-11T05:52:45.101" v="3982" actId="20577"/>
+        <pc:chgData name="Jesse Richardville" userId="aa3fff267851e816" providerId="LiveId" clId="{202F20D4-4DC3-40EA-805B-ACF21F659EA2}" dt="2023-01-12T00:21:29.117" v="4553" actId="255"/>
         <pc:sldMkLst>
           <pc:docMk/>
           <pc:sldMk cId="3628798121" sldId="267"/>
@@ -428,7 +448,7 @@
           </ac:spMkLst>
         </pc:spChg>
         <pc:spChg chg="mod">
-          <ac:chgData name="Jesse Richardville" userId="aa3fff267851e816" providerId="LiveId" clId="{202F20D4-4DC3-40EA-805B-ACF21F659EA2}" dt="2023-01-11T05:52:45.101" v="3982" actId="20577"/>
+          <ac:chgData name="Jesse Richardville" userId="aa3fff267851e816" providerId="LiveId" clId="{202F20D4-4DC3-40EA-805B-ACF21F659EA2}" dt="2023-01-12T00:21:29.117" v="4553" actId="255"/>
           <ac:spMkLst>
             <pc:docMk/>
             <pc:sldMk cId="3628798121" sldId="267"/>
@@ -515,13 +535,13 @@
         </pc:graphicFrameChg>
       </pc:sldChg>
       <pc:sldChg chg="modSp new mod">
-        <pc:chgData name="Jesse Richardville" userId="aa3fff267851e816" providerId="LiveId" clId="{202F20D4-4DC3-40EA-805B-ACF21F659EA2}" dt="2023-01-11T05:54:33.930" v="3989" actId="27636"/>
+        <pc:chgData name="Jesse Richardville" userId="aa3fff267851e816" providerId="LiveId" clId="{202F20D4-4DC3-40EA-805B-ACF21F659EA2}" dt="2023-01-12T00:27:40.468" v="4928" actId="20577"/>
         <pc:sldMkLst>
           <pc:docMk/>
           <pc:sldMk cId="1907392536" sldId="270"/>
         </pc:sldMkLst>
         <pc:spChg chg="mod">
-          <ac:chgData name="Jesse Richardville" userId="aa3fff267851e816" providerId="LiveId" clId="{202F20D4-4DC3-40EA-805B-ACF21F659EA2}" dt="2023-01-11T05:54:33.693" v="3985"/>
+          <ac:chgData name="Jesse Richardville" userId="aa3fff267851e816" providerId="LiveId" clId="{202F20D4-4DC3-40EA-805B-ACF21F659EA2}" dt="2023-01-12T00:23:00.499" v="4603" actId="20577"/>
           <ac:spMkLst>
             <pc:docMk/>
             <pc:sldMk cId="1907392536" sldId="270"/>
@@ -529,7 +549,7 @@
           </ac:spMkLst>
         </pc:spChg>
         <pc:spChg chg="mod">
-          <ac:chgData name="Jesse Richardville" userId="aa3fff267851e816" providerId="LiveId" clId="{202F20D4-4DC3-40EA-805B-ACF21F659EA2}" dt="2023-01-11T05:54:33.930" v="3989" actId="27636"/>
+          <ac:chgData name="Jesse Richardville" userId="aa3fff267851e816" providerId="LiveId" clId="{202F20D4-4DC3-40EA-805B-ACF21F659EA2}" dt="2023-01-12T00:27:40.468" v="4928" actId="20577"/>
           <ac:spMkLst>
             <pc:docMk/>
             <pc:sldMk cId="1907392536" sldId="270"/>
@@ -668,13 +688,13 @@
         </pc:spChg>
       </pc:sldChg>
       <pc:sldChg chg="modSp add mod ord">
-        <pc:chgData name="Jesse Richardville" userId="aa3fff267851e816" providerId="LiveId" clId="{202F20D4-4DC3-40EA-805B-ACF21F659EA2}" dt="2023-01-11T05:54:33.941" v="3990" actId="27636"/>
+        <pc:chgData name="Jesse Richardville" userId="aa3fff267851e816" providerId="LiveId" clId="{202F20D4-4DC3-40EA-805B-ACF21F659EA2}" dt="2023-01-12T00:35:54.472" v="5269" actId="20577"/>
         <pc:sldMkLst>
           <pc:docMk/>
           <pc:sldMk cId="1716957106" sldId="277"/>
         </pc:sldMkLst>
         <pc:spChg chg="mod">
-          <ac:chgData name="Jesse Richardville" userId="aa3fff267851e816" providerId="LiveId" clId="{202F20D4-4DC3-40EA-805B-ACF21F659EA2}" dt="2023-01-11T05:54:33.693" v="3985"/>
+          <ac:chgData name="Jesse Richardville" userId="aa3fff267851e816" providerId="LiveId" clId="{202F20D4-4DC3-40EA-805B-ACF21F659EA2}" dt="2023-01-12T00:28:42.401" v="4949" actId="20577"/>
           <ac:spMkLst>
             <pc:docMk/>
             <pc:sldMk cId="1716957106" sldId="277"/>
@@ -682,7 +702,7 @@
           </ac:spMkLst>
         </pc:spChg>
         <pc:spChg chg="mod">
-          <ac:chgData name="Jesse Richardville" userId="aa3fff267851e816" providerId="LiveId" clId="{202F20D4-4DC3-40EA-805B-ACF21F659EA2}" dt="2023-01-11T05:54:33.941" v="3990" actId="27636"/>
+          <ac:chgData name="Jesse Richardville" userId="aa3fff267851e816" providerId="LiveId" clId="{202F20D4-4DC3-40EA-805B-ACF21F659EA2}" dt="2023-01-12T00:35:54.472" v="5269" actId="20577"/>
           <ac:spMkLst>
             <pc:docMk/>
             <pc:sldMk cId="1716957106" sldId="277"/>
@@ -691,13 +711,13 @@
         </pc:spChg>
       </pc:sldChg>
       <pc:sldChg chg="modSp add mod ord">
-        <pc:chgData name="Jesse Richardville" userId="aa3fff267851e816" providerId="LiveId" clId="{202F20D4-4DC3-40EA-805B-ACF21F659EA2}" dt="2023-01-11T05:54:33.693" v="3985"/>
+        <pc:chgData name="Jesse Richardville" userId="aa3fff267851e816" providerId="LiveId" clId="{202F20D4-4DC3-40EA-805B-ACF21F659EA2}" dt="2023-01-12T00:38:57.935" v="5378" actId="20577"/>
         <pc:sldMkLst>
           <pc:docMk/>
           <pc:sldMk cId="1613939473" sldId="278"/>
         </pc:sldMkLst>
         <pc:spChg chg="mod">
-          <ac:chgData name="Jesse Richardville" userId="aa3fff267851e816" providerId="LiveId" clId="{202F20D4-4DC3-40EA-805B-ACF21F659EA2}" dt="2023-01-11T05:54:33.693" v="3985"/>
+          <ac:chgData name="Jesse Richardville" userId="aa3fff267851e816" providerId="LiveId" clId="{202F20D4-4DC3-40EA-805B-ACF21F659EA2}" dt="2023-01-12T00:36:33.467" v="5270"/>
           <ac:spMkLst>
             <pc:docMk/>
             <pc:sldMk cId="1613939473" sldId="278"/>
@@ -705,7 +725,7 @@
           </ac:spMkLst>
         </pc:spChg>
         <pc:spChg chg="mod">
-          <ac:chgData name="Jesse Richardville" userId="aa3fff267851e816" providerId="LiveId" clId="{202F20D4-4DC3-40EA-805B-ACF21F659EA2}" dt="2023-01-11T05:54:33.693" v="3985"/>
+          <ac:chgData name="Jesse Richardville" userId="aa3fff267851e816" providerId="LiveId" clId="{202F20D4-4DC3-40EA-805B-ACF21F659EA2}" dt="2023-01-12T00:38:57.935" v="5378" actId="20577"/>
           <ac:spMkLst>
             <pc:docMk/>
             <pc:sldMk cId="1613939473" sldId="278"/>
@@ -714,13 +734,13 @@
         </pc:spChg>
       </pc:sldChg>
       <pc:sldChg chg="modSp add mod">
-        <pc:chgData name="Jesse Richardville" userId="aa3fff267851e816" providerId="LiveId" clId="{202F20D4-4DC3-40EA-805B-ACF21F659EA2}" dt="2023-01-11T05:54:33.693" v="3985"/>
+        <pc:chgData name="Jesse Richardville" userId="aa3fff267851e816" providerId="LiveId" clId="{202F20D4-4DC3-40EA-805B-ACF21F659EA2}" dt="2023-01-12T15:04:14.933" v="5826" actId="20577"/>
         <pc:sldMkLst>
           <pc:docMk/>
           <pc:sldMk cId="2837890604" sldId="279"/>
         </pc:sldMkLst>
         <pc:spChg chg="mod">
-          <ac:chgData name="Jesse Richardville" userId="aa3fff267851e816" providerId="LiveId" clId="{202F20D4-4DC3-40EA-805B-ACF21F659EA2}" dt="2023-01-11T05:54:33.693" v="3985"/>
+          <ac:chgData name="Jesse Richardville" userId="aa3fff267851e816" providerId="LiveId" clId="{202F20D4-4DC3-40EA-805B-ACF21F659EA2}" dt="2023-01-12T00:39:04.962" v="5379"/>
           <ac:spMkLst>
             <pc:docMk/>
             <pc:sldMk cId="2837890604" sldId="279"/>
@@ -728,7 +748,7 @@
           </ac:spMkLst>
         </pc:spChg>
         <pc:spChg chg="mod">
-          <ac:chgData name="Jesse Richardville" userId="aa3fff267851e816" providerId="LiveId" clId="{202F20D4-4DC3-40EA-805B-ACF21F659EA2}" dt="2023-01-11T05:54:33.693" v="3985"/>
+          <ac:chgData name="Jesse Richardville" userId="aa3fff267851e816" providerId="LiveId" clId="{202F20D4-4DC3-40EA-805B-ACF21F659EA2}" dt="2023-01-12T15:04:14.933" v="5826" actId="20577"/>
           <ac:spMkLst>
             <pc:docMk/>
             <pc:sldMk cId="2837890604" sldId="279"/>
@@ -737,7 +757,7 @@
         </pc:spChg>
       </pc:sldChg>
       <pc:sldChg chg="modSp add mod ord">
-        <pc:chgData name="Jesse Richardville" userId="aa3fff267851e816" providerId="LiveId" clId="{202F20D4-4DC3-40EA-805B-ACF21F659EA2}" dt="2023-01-11T05:54:33.693" v="3985"/>
+        <pc:chgData name="Jesse Richardville" userId="aa3fff267851e816" providerId="LiveId" clId="{202F20D4-4DC3-40EA-805B-ACF21F659EA2}" dt="2023-01-12T15:23:41.084" v="6169" actId="20577"/>
         <pc:sldMkLst>
           <pc:docMk/>
           <pc:sldMk cId="1659552028" sldId="280"/>
@@ -751,7 +771,7 @@
           </ac:spMkLst>
         </pc:spChg>
         <pc:spChg chg="mod">
-          <ac:chgData name="Jesse Richardville" userId="aa3fff267851e816" providerId="LiveId" clId="{202F20D4-4DC3-40EA-805B-ACF21F659EA2}" dt="2023-01-11T05:54:33.693" v="3985"/>
+          <ac:chgData name="Jesse Richardville" userId="aa3fff267851e816" providerId="LiveId" clId="{202F20D4-4DC3-40EA-805B-ACF21F659EA2}" dt="2023-01-12T15:23:41.084" v="6169" actId="20577"/>
           <ac:spMkLst>
             <pc:docMk/>
             <pc:sldMk cId="1659552028" sldId="280"/>
@@ -912,6 +932,36 @@
           </ac:graphicFrameMkLst>
         </pc:graphicFrameChg>
       </pc:sldChg>
+      <pc:sldChg chg="addSp delSp modSp add mod modShow">
+        <pc:chgData name="Jesse Richardville" userId="aa3fff267851e816" providerId="LiveId" clId="{202F20D4-4DC3-40EA-805B-ACF21F659EA2}" dt="2023-01-12T17:03:33.686" v="6175" actId="478"/>
+        <pc:sldMkLst>
+          <pc:docMk/>
+          <pc:sldMk cId="3135211716" sldId="288"/>
+        </pc:sldMkLst>
+        <pc:graphicFrameChg chg="add mod">
+          <ac:chgData name="Jesse Richardville" userId="aa3fff267851e816" providerId="LiveId" clId="{202F20D4-4DC3-40EA-805B-ACF21F659EA2}" dt="2023-01-12T16:57:15.245" v="6173"/>
+          <ac:graphicFrameMkLst>
+            <pc:docMk/>
+            <pc:sldMk cId="3135211716" sldId="288"/>
+            <ac:graphicFrameMk id="5" creationId="{5028A942-4E8D-4313-65A4-FB6A215AD11D}"/>
+          </ac:graphicFrameMkLst>
+        </pc:graphicFrameChg>
+        <pc:graphicFrameChg chg="add del">
+          <ac:chgData name="Jesse Richardville" userId="aa3fff267851e816" providerId="LiveId" clId="{202F20D4-4DC3-40EA-805B-ACF21F659EA2}" dt="2023-01-12T17:03:33.686" v="6175" actId="478"/>
+          <ac:graphicFrameMkLst>
+            <pc:docMk/>
+            <pc:sldMk cId="3135211716" sldId="288"/>
+            <ac:graphicFrameMk id="6" creationId="{19864084-3772-F806-CBBB-52780929EDAC}"/>
+          </ac:graphicFrameMkLst>
+        </pc:graphicFrameChg>
+      </pc:sldChg>
+      <pc:sldChg chg="add">
+        <pc:chgData name="Jesse Richardville" userId="aa3fff267851e816" providerId="LiveId" clId="{202F20D4-4DC3-40EA-805B-ACF21F659EA2}" dt="2023-01-12T00:22:39.306" v="4554" actId="2890"/>
+        <pc:sldMkLst>
+          <pc:docMk/>
+          <pc:sldMk cId="3716941349" sldId="289"/>
+        </pc:sldMkLst>
+      </pc:sldChg>
     </pc:docChg>
   </pc:docChgLst>
 </pc:chgInfo>
@@ -1143,7 +1193,7 @@
           <a:p>
             <a:fld id="{37A2730A-859E-B540-ADF3-E97069AD1FDB}" type="datetimeFigureOut">
               <a:rPr lang="en-US" smtClean="0"/>
-              <a:t>1/11/2023</a:t>
+              <a:t>1/18/2023</a:t>
             </a:fld>
             <a:endParaRPr lang="en-US"/>
           </a:p>
@@ -1351,7 +1401,7 @@
           <a:p>
             <a:fld id="{37A2730A-859E-B540-ADF3-E97069AD1FDB}" type="datetimeFigureOut">
               <a:rPr lang="en-US" smtClean="0"/>
-              <a:t>1/11/2023</a:t>
+              <a:t>1/18/2023</a:t>
             </a:fld>
             <a:endParaRPr lang="en-US"/>
           </a:p>
@@ -1607,7 +1657,7 @@
           <a:p>
             <a:fld id="{37A2730A-859E-B540-ADF3-E97069AD1FDB}" type="datetimeFigureOut">
               <a:rPr lang="en-US" smtClean="0"/>
-              <a:t>1/11/2023</a:t>
+              <a:t>1/18/2023</a:t>
             </a:fld>
             <a:endParaRPr lang="en-US"/>
           </a:p>
@@ -1781,7 +1831,7 @@
           <a:p>
             <a:fld id="{37A2730A-859E-B540-ADF3-E97069AD1FDB}" type="datetimeFigureOut">
               <a:rPr lang="en-US" smtClean="0"/>
-              <a:t>1/11/2023</a:t>
+              <a:t>1/18/2023</a:t>
             </a:fld>
             <a:endParaRPr lang="en-US"/>
           </a:p>
@@ -2124,7 +2174,7 @@
           <a:p>
             <a:fld id="{37A2730A-859E-B540-ADF3-E97069AD1FDB}" type="datetimeFigureOut">
               <a:rPr lang="en-US" smtClean="0"/>
-              <a:t>1/11/2023</a:t>
+              <a:t>1/18/2023</a:t>
             </a:fld>
             <a:endParaRPr lang="en-US"/>
           </a:p>
@@ -2399,7 +2449,7 @@
           <a:p>
             <a:fld id="{37A2730A-859E-B540-ADF3-E97069AD1FDB}" type="datetimeFigureOut">
               <a:rPr lang="en-US" smtClean="0"/>
-              <a:t>1/11/2023</a:t>
+              <a:t>1/18/2023</a:t>
             </a:fld>
             <a:endParaRPr lang="en-US"/>
           </a:p>
@@ -2778,7 +2828,7 @@
           <a:p>
             <a:fld id="{37A2730A-859E-B540-ADF3-E97069AD1FDB}" type="datetimeFigureOut">
               <a:rPr lang="en-US" smtClean="0"/>
-              <a:t>1/11/2023</a:t>
+              <a:t>1/18/2023</a:t>
             </a:fld>
             <a:endParaRPr lang="en-US"/>
           </a:p>
@@ -2896,7 +2946,7 @@
           <a:p>
             <a:fld id="{37A2730A-859E-B540-ADF3-E97069AD1FDB}" type="datetimeFigureOut">
               <a:rPr lang="en-US" smtClean="0"/>
-              <a:t>1/11/2023</a:t>
+              <a:t>1/18/2023</a:t>
             </a:fld>
             <a:endParaRPr lang="en-US"/>
           </a:p>
@@ -3067,7 +3117,7 @@
           <a:p>
             <a:fld id="{37A2730A-859E-B540-ADF3-E97069AD1FDB}" type="datetimeFigureOut">
               <a:rPr lang="en-US" smtClean="0"/>
-              <a:t>1/11/2023</a:t>
+              <a:t>1/18/2023</a:t>
             </a:fld>
             <a:endParaRPr lang="en-US"/>
           </a:p>
@@ -3421,7 +3471,7 @@
           <a:p>
             <a:fld id="{37A2730A-859E-B540-ADF3-E97069AD1FDB}" type="datetimeFigureOut">
               <a:rPr lang="en-US" smtClean="0"/>
-              <a:t>1/11/2023</a:t>
+              <a:t>1/18/2023</a:t>
             </a:fld>
             <a:endParaRPr lang="en-US"/>
           </a:p>
@@ -3803,7 +3853,7 @@
           <a:p>
             <a:fld id="{37A2730A-859E-B540-ADF3-E97069AD1FDB}" type="datetimeFigureOut">
               <a:rPr lang="en-US" smtClean="0"/>
-              <a:t>1/11/2023</a:t>
+              <a:t>1/18/2023</a:t>
             </a:fld>
             <a:endParaRPr lang="en-US"/>
           </a:p>
@@ -4090,7 +4140,7 @@
           <a:p>
             <a:fld id="{37A2730A-859E-B540-ADF3-E97069AD1FDB}" type="datetimeFigureOut">
               <a:rPr lang="en-US" smtClean="0"/>
-              <a:t>1/11/2023</a:t>
+              <a:t>1/18/2023</a:t>
             </a:fld>
             <a:endParaRPr lang="en-US"/>
           </a:p>
@@ -4732,8 +4782,289 @@
           <a:chExt cx="0" cy="0"/>
         </a:xfrm>
       </p:grpSpPr>
-      <mc:AlternateContent xmlns:mc="http://schemas.openxmlformats.org/markup-compatibility/2006" xmlns:we="http://schemas.microsoft.com/office/webextensions/webextension/2010/11" xmlns:pca="http://schemas.microsoft.com/office/powerpoint/2013/contentapp">
-        <mc:Choice Requires="we pca">
+      <p:sp>
+        <p:nvSpPr>
+          <p:cNvPr id="3" name="Content Placeholder 2">
+            <a:extLst>
+              <a:ext uri="{FF2B5EF4-FFF2-40B4-BE49-F238E27FC236}">
+                <a16:creationId xmlns:a16="http://schemas.microsoft.com/office/drawing/2014/main" id="{2DC803DE-6AA3-748A-3CF1-F53A0BFAA7C2}"/>
+              </a:ext>
+            </a:extLst>
+          </p:cNvPr>
+          <p:cNvSpPr>
+            <a:spLocks noGrp="1"/>
+          </p:cNvSpPr>
+          <p:nvPr>
+            <p:ph idx="1"/>
+          </p:nvPr>
+        </p:nvSpPr>
+        <p:spPr>
+          <a:xfrm>
+            <a:off x="838200" y="3937517"/>
+            <a:ext cx="10515600" cy="2239445"/>
+          </a:xfrm>
+        </p:spPr>
+        <p:txBody>
+          <a:bodyPr/>
+          <a:lstStyle/>
+          <a:p>
+            <a:pPr marL="0" indent="0" algn="r">
+              <a:buNone/>
+            </a:pPr>
+            <a:r>
+              <a:rPr lang="en-US" dirty="0"/>
+              <a:t>Jesse Richardville</a:t>
+            </a:r>
+          </a:p>
+          <a:p>
+            <a:pPr marL="0" indent="0" algn="r">
+              <a:buNone/>
+            </a:pPr>
+            <a:r>
+              <a:rPr lang="en-US" dirty="0"/>
+              <a:t>1/5/2023</a:t>
+            </a:r>
+          </a:p>
+        </p:txBody>
+      </p:sp>
+      <mc:AlternateContent xmlns:mc="http://schemas.openxmlformats.org/markup-compatibility/2006">
+        <mc:Choice xmlns:we="http://schemas.microsoft.com/office/webextensions/webextension/2010/11" xmlns:pca="http://schemas.microsoft.com/office/powerpoint/2013/contentapp" Requires="we pca">
+          <p:graphicFrame>
+            <p:nvGraphicFramePr>
+              <p:cNvPr id="7" name="Add-in 6" title="Web Viewer">
+                <a:extLst>
+                  <a:ext uri="{FF2B5EF4-FFF2-40B4-BE49-F238E27FC236}">
+                    <a16:creationId xmlns:a16="http://schemas.microsoft.com/office/drawing/2014/main" id="{546DAEFF-7A43-9CDD-6869-BF8C340D5795}"/>
+                  </a:ext>
+                </a:extLst>
+              </p:cNvPr>
+              <p:cNvGraphicFramePr>
+                <a:graphicFrameLocks noGrp="1"/>
+              </p:cNvGraphicFramePr>
+              <p:nvPr>
+                <p:extLst>
+                  <p:ext uri="{D42A27DB-BD31-4B8C-83A1-F6EECF244321}">
+                    <p14:modId xmlns:p14="http://schemas.microsoft.com/office/powerpoint/2010/main" val="75182084"/>
+                  </p:ext>
+                </p:extLst>
+              </p:nvPr>
+            </p:nvGraphicFramePr>
+            <p:xfrm>
+              <a:off x="513182" y="214604"/>
+              <a:ext cx="11131421" cy="5962358"/>
+            </p:xfrm>
+            <a:graphic>
+              <a:graphicData uri="http://schemas.microsoft.com/office/webextensions/webextension/2010/11">
+                <we:webextensionref xmlns:we="http://schemas.microsoft.com/office/webextensions/webextension/2010/11" xmlns:r="http://schemas.openxmlformats.org/officeDocument/2006/relationships" r:id="rId2"/>
+              </a:graphicData>
+            </a:graphic>
+          </p:graphicFrame>
+        </mc:Choice>
+        <mc:Fallback>
+          <p:pic>
+            <p:nvPicPr>
+              <p:cNvPr id="7" name="Add-in 6" title="Web Viewer">
+                <a:extLst>
+                  <a:ext uri="{FF2B5EF4-FFF2-40B4-BE49-F238E27FC236}">
+                    <a16:creationId xmlns:a16="http://schemas.microsoft.com/office/drawing/2014/main" id="{546DAEFF-7A43-9CDD-6869-BF8C340D5795}"/>
+                  </a:ext>
+                </a:extLst>
+              </p:cNvPr>
+              <p:cNvPicPr>
+                <a:picLocks noGrp="1" noRot="1" noChangeAspect="1" noMove="1" noResize="1" noEditPoints="1" noAdjustHandles="1" noChangeArrowheads="1" noChangeShapeType="1"/>
+              </p:cNvPicPr>
+              <p:nvPr/>
+            </p:nvPicPr>
+            <p:blipFill>
+              <a:blip r:embed="rId3"/>
+              <a:stretch>
+                <a:fillRect/>
+              </a:stretch>
+            </p:blipFill>
+            <p:spPr>
+              <a:xfrm>
+                <a:off x="513182" y="214604"/>
+                <a:ext cx="11131421" cy="5962358"/>
+              </a:xfrm>
+              <a:prstGeom prst="rect">
+                <a:avLst/>
+              </a:prstGeom>
+            </p:spPr>
+          </p:pic>
+        </mc:Fallback>
+      </mc:AlternateContent>
+    </p:spTree>
+    <p:extLst>
+      <p:ext uri="{BB962C8B-B14F-4D97-AF65-F5344CB8AC3E}">
+        <p14:creationId xmlns:p14="http://schemas.microsoft.com/office/powerpoint/2010/main" val="868210328"/>
+      </p:ext>
+    </p:extLst>
+  </p:cSld>
+  <p:clrMapOvr>
+    <a:masterClrMapping/>
+  </p:clrMapOvr>
+</p:sld>
+</file>
+
+<file path=ppt/slides/slide11.xml><?xml version="1.0" encoding="utf-8"?>
+<p:sld xmlns:a="http://schemas.openxmlformats.org/drawingml/2006/main" xmlns:r="http://schemas.openxmlformats.org/officeDocument/2006/relationships" xmlns:p="http://schemas.openxmlformats.org/presentationml/2006/main">
+  <p:cSld>
+    <p:spTree>
+      <p:nvGrpSpPr>
+        <p:cNvPr id="1" name=""/>
+        <p:cNvGrpSpPr/>
+        <p:nvPr/>
+      </p:nvGrpSpPr>
+      <p:grpSpPr>
+        <a:xfrm>
+          <a:off x="0" y="0"/>
+          <a:ext cx="0" cy="0"/>
+          <a:chOff x="0" y="0"/>
+          <a:chExt cx="0" cy="0"/>
+        </a:xfrm>
+      </p:grpSpPr>
+      <p:sp>
+        <p:nvSpPr>
+          <p:cNvPr id="2" name="Title 1">
+            <a:extLst>
+              <a:ext uri="{FF2B5EF4-FFF2-40B4-BE49-F238E27FC236}">
+                <a16:creationId xmlns:a16="http://schemas.microsoft.com/office/drawing/2014/main" id="{30A86AAC-3E0F-298B-93BD-1BC8FBCDBA6F}"/>
+              </a:ext>
+            </a:extLst>
+          </p:cNvPr>
+          <p:cNvSpPr>
+            <a:spLocks noGrp="1"/>
+          </p:cNvSpPr>
+          <p:nvPr>
+            <p:ph type="title"/>
+          </p:nvPr>
+        </p:nvSpPr>
+        <p:spPr/>
+        <p:txBody>
+          <a:bodyPr/>
+          <a:lstStyle/>
+          <a:p>
+            <a:r>
+              <a:rPr lang="en-US" dirty="0"/>
+              <a:t>Dashboard Summary &amp; </a:t>
+            </a:r>
+            <a:br>
+              <a:rPr lang="en-US" dirty="0"/>
+            </a:br>
+            <a:r>
+              <a:rPr lang="en-US" dirty="0"/>
+              <a:t>Notable insights/findings:</a:t>
+            </a:r>
+          </a:p>
+        </p:txBody>
+      </p:sp>
+      <p:sp>
+        <p:nvSpPr>
+          <p:cNvPr id="3" name="Content Placeholder 2">
+            <a:extLst>
+              <a:ext uri="{FF2B5EF4-FFF2-40B4-BE49-F238E27FC236}">
+                <a16:creationId xmlns:a16="http://schemas.microsoft.com/office/drawing/2014/main" id="{3AEB41D8-D7CE-3910-B53D-114000332FE5}"/>
+              </a:ext>
+            </a:extLst>
+          </p:cNvPr>
+          <p:cNvSpPr>
+            <a:spLocks noGrp="1"/>
+          </p:cNvSpPr>
+          <p:nvPr>
+            <p:ph idx="1"/>
+          </p:nvPr>
+        </p:nvSpPr>
+        <p:spPr/>
+        <p:txBody>
+          <a:bodyPr>
+            <a:normAutofit/>
+          </a:bodyPr>
+          <a:lstStyle/>
+          <a:p>
+            <a:r>
+              <a:rPr lang="en-US" dirty="0"/>
+              <a:t>The top left visual compares total trips taken by members and casual riders against bike type </a:t>
+            </a:r>
+          </a:p>
+          <a:p>
+            <a:pPr lvl="1"/>
+            <a:r>
+              <a:rPr lang="en-US" dirty="0"/>
+              <a:t>Member riders do not use docked bikes</a:t>
+            </a:r>
+          </a:p>
+          <a:p>
+            <a:r>
+              <a:rPr lang="en-US" dirty="0"/>
+              <a:t>The top 100 start stations are represented in the tree map</a:t>
+            </a:r>
+          </a:p>
+          <a:p>
+            <a:pPr lvl="1"/>
+            <a:r>
+              <a:rPr lang="en-US" dirty="0"/>
+              <a:t>Streeter Dr and Grand Ave was the most popular station for casual riders (54,575 trips), which is close to the lakefront and Navy Pier</a:t>
+            </a:r>
+          </a:p>
+          <a:p>
+            <a:pPr lvl="1"/>
+            <a:r>
+              <a:rPr lang="en-US" dirty="0"/>
+              <a:t>Kingsbury St and Kinzie St was the most popular station for members (23,581 trips), which is close to downtown offices/buildings</a:t>
+            </a:r>
+          </a:p>
+          <a:p>
+            <a:r>
+              <a:rPr lang="en-US" dirty="0"/>
+              <a:t>The heatmap shows the location of the stations with use of the interactive tree map (viewable via Power BI with an account)</a:t>
+            </a:r>
+          </a:p>
+          <a:p>
+            <a:r>
+              <a:rPr lang="en-US" dirty="0"/>
+              <a:t>A summary of the start station trip data is given below the heatmap, and is interactive with the other visuals</a:t>
+            </a:r>
+          </a:p>
+          <a:p>
+            <a:pPr marL="0" indent="0">
+              <a:buNone/>
+            </a:pPr>
+            <a:endParaRPr lang="en-US" dirty="0"/>
+          </a:p>
+        </p:txBody>
+      </p:sp>
+    </p:spTree>
+    <p:extLst>
+      <p:ext uri="{BB962C8B-B14F-4D97-AF65-F5344CB8AC3E}">
+        <p14:creationId xmlns:p14="http://schemas.microsoft.com/office/powerpoint/2010/main" val="1716957106"/>
+      </p:ext>
+    </p:extLst>
+  </p:cSld>
+  <p:clrMapOvr>
+    <a:masterClrMapping/>
+  </p:clrMapOvr>
+</p:sld>
+</file>
+
+<file path=ppt/slides/slide12.xml><?xml version="1.0" encoding="utf-8"?>
+<p:sld xmlns:a="http://schemas.openxmlformats.org/drawingml/2006/main" xmlns:r="http://schemas.openxmlformats.org/officeDocument/2006/relationships" xmlns:p="http://schemas.openxmlformats.org/presentationml/2006/main">
+  <p:cSld>
+    <p:spTree>
+      <p:nvGrpSpPr>
+        <p:cNvPr id="1" name=""/>
+        <p:cNvGrpSpPr/>
+        <p:nvPr/>
+      </p:nvGrpSpPr>
+      <p:grpSpPr>
+        <a:xfrm>
+          <a:off x="0" y="0"/>
+          <a:ext cx="0" cy="0"/>
+          <a:chOff x="0" y="0"/>
+          <a:chExt cx="0" cy="0"/>
+        </a:xfrm>
+      </p:grpSpPr>
+      <mc:AlternateContent xmlns:mc="http://schemas.openxmlformats.org/markup-compatibility/2006">
+        <mc:Choice xmlns:we="http://schemas.microsoft.com/office/webextensions/webextension/2010/11" xmlns:pca="http://schemas.microsoft.com/office/powerpoint/2013/contentapp" Requires="we pca">
           <p:graphicFrame>
             <p:nvGraphicFramePr>
               <p:cNvPr id="4" name="Add-in 3" title="Microsoft Power BI">
@@ -4765,7 +5096,7 @@
             </a:graphic>
           </p:graphicFrame>
         </mc:Choice>
-        <mc:Fallback xmlns="">
+        <mc:Fallback>
           <p:pic>
             <p:nvPicPr>
               <p:cNvPr id="4" name="Add-in 3" title="Microsoft Power BI">
@@ -4811,7 +5142,7 @@
 </p:sld>
 </file>
 
-<file path=ppt/slides/slide11.xml><?xml version="1.0" encoding="utf-8"?>
+<file path=ppt/slides/slide13.xml><?xml version="1.0" encoding="utf-8"?>
 <p:sld xmlns:a="http://schemas.openxmlformats.org/drawingml/2006/main" xmlns:r="http://schemas.openxmlformats.org/officeDocument/2006/relationships" xmlns:p="http://schemas.openxmlformats.org/presentationml/2006/main">
   <p:cSld>
     <p:spTree>
@@ -4828,8 +5159,8 @@
           <a:chExt cx="0" cy="0"/>
         </a:xfrm>
       </p:grpSpPr>
-      <mc:AlternateContent xmlns:mc="http://schemas.openxmlformats.org/markup-compatibility/2006" xmlns:we="http://schemas.microsoft.com/office/webextensions/webextension/2010/11" xmlns:pca="http://schemas.microsoft.com/office/powerpoint/2013/contentapp">
-        <mc:Choice Requires="we pca">
+      <mc:AlternateContent xmlns:mc="http://schemas.openxmlformats.org/markup-compatibility/2006">
+        <mc:Choice xmlns:we="http://schemas.microsoft.com/office/webextensions/webextension/2010/11" xmlns:pca="http://schemas.microsoft.com/office/powerpoint/2013/contentapp" Requires="we pca">
           <p:graphicFrame>
             <p:nvGraphicFramePr>
               <p:cNvPr id="2" name="Add-in 1" title="Microsoft Power BI">
@@ -4861,7 +5192,7 @@
             </a:graphic>
           </p:graphicFrame>
         </mc:Choice>
-        <mc:Fallback xmlns="">
+        <mc:Fallback>
           <p:pic>
             <p:nvPicPr>
               <p:cNvPr id="2" name="Add-in 1" title="Microsoft Power BI">
@@ -4898,205 +5229,6 @@
     <p:extLst>
       <p:ext uri="{BB962C8B-B14F-4D97-AF65-F5344CB8AC3E}">
         <p14:creationId xmlns:p14="http://schemas.microsoft.com/office/powerpoint/2010/main" val="3034351895"/>
-      </p:ext>
-    </p:extLst>
-  </p:cSld>
-  <p:clrMapOvr>
-    <a:masterClrMapping/>
-  </p:clrMapOvr>
-</p:sld>
-</file>
-
-<file path=ppt/slides/slide12.xml><?xml version="1.0" encoding="utf-8"?>
-<p:sld xmlns:a="http://schemas.openxmlformats.org/drawingml/2006/main" xmlns:r="http://schemas.openxmlformats.org/officeDocument/2006/relationships" xmlns:p="http://schemas.openxmlformats.org/presentationml/2006/main">
-  <p:cSld>
-    <p:spTree>
-      <p:nvGrpSpPr>
-        <p:cNvPr id="1" name=""/>
-        <p:cNvGrpSpPr/>
-        <p:nvPr/>
-      </p:nvGrpSpPr>
-      <p:grpSpPr>
-        <a:xfrm>
-          <a:off x="0" y="0"/>
-          <a:ext cx="0" cy="0"/>
-          <a:chOff x="0" y="0"/>
-          <a:chExt cx="0" cy="0"/>
-        </a:xfrm>
-      </p:grpSpPr>
-      <p:sp>
-        <p:nvSpPr>
-          <p:cNvPr id="2" name="Title 1">
-            <a:extLst>
-              <a:ext uri="{FF2B5EF4-FFF2-40B4-BE49-F238E27FC236}">
-                <a16:creationId xmlns:a16="http://schemas.microsoft.com/office/drawing/2014/main" id="{30A86AAC-3E0F-298B-93BD-1BC8FBCDBA6F}"/>
-              </a:ext>
-            </a:extLst>
-          </p:cNvPr>
-          <p:cNvSpPr>
-            <a:spLocks noGrp="1"/>
-          </p:cNvSpPr>
-          <p:nvPr>
-            <p:ph type="title"/>
-          </p:nvPr>
-        </p:nvSpPr>
-        <p:spPr/>
-        <p:txBody>
-          <a:bodyPr/>
-          <a:lstStyle/>
-          <a:p>
-            <a:r>
-              <a:rPr lang="en-US" dirty="0"/>
-              <a:t>Notable insights/findings:</a:t>
-            </a:r>
-          </a:p>
-        </p:txBody>
-      </p:sp>
-      <p:sp>
-        <p:nvSpPr>
-          <p:cNvPr id="3" name="Content Placeholder 2">
-            <a:extLst>
-              <a:ext uri="{FF2B5EF4-FFF2-40B4-BE49-F238E27FC236}">
-                <a16:creationId xmlns:a16="http://schemas.microsoft.com/office/drawing/2014/main" id="{3AEB41D8-D7CE-3910-B53D-114000332FE5}"/>
-              </a:ext>
-            </a:extLst>
-          </p:cNvPr>
-          <p:cNvSpPr>
-            <a:spLocks noGrp="1"/>
-          </p:cNvSpPr>
-          <p:nvPr>
-            <p:ph idx="1"/>
-          </p:nvPr>
-        </p:nvSpPr>
-        <p:spPr/>
-        <p:txBody>
-          <a:bodyPr>
-            <a:normAutofit/>
-          </a:bodyPr>
-          <a:lstStyle/>
-          <a:p>
-            <a:r>
-              <a:rPr lang="en-US" dirty="0"/>
-              <a:t>The interactive Stations Map represents the popularity of the lakefront, downtown, and tourist locations of Chicago</a:t>
-            </a:r>
-          </a:p>
-          <a:p>
-            <a:r>
-              <a:rPr lang="en-US" dirty="0"/>
-              <a:t>Many stations south of downtown Chicago are less frequently used, indicating that residential areas use the bike service less often</a:t>
-            </a:r>
-          </a:p>
-          <a:p>
-            <a:pPr marL="0" indent="0">
-              <a:buNone/>
-            </a:pPr>
-            <a:endParaRPr lang="en-US" dirty="0"/>
-          </a:p>
-          <a:p>
-            <a:endParaRPr lang="en-US" dirty="0"/>
-          </a:p>
-        </p:txBody>
-      </p:sp>
-    </p:spTree>
-    <p:extLst>
-      <p:ext uri="{BB962C8B-B14F-4D97-AF65-F5344CB8AC3E}">
-        <p14:creationId xmlns:p14="http://schemas.microsoft.com/office/powerpoint/2010/main" val="1613939473"/>
-      </p:ext>
-    </p:extLst>
-  </p:cSld>
-  <p:clrMapOvr>
-    <a:masterClrMapping/>
-  </p:clrMapOvr>
-</p:sld>
-</file>
-
-<file path=ppt/slides/slide13.xml><?xml version="1.0" encoding="utf-8"?>
-<p:sld xmlns:a="http://schemas.openxmlformats.org/drawingml/2006/main" xmlns:r="http://schemas.openxmlformats.org/officeDocument/2006/relationships" xmlns:p="http://schemas.openxmlformats.org/presentationml/2006/main">
-  <p:cSld>
-    <p:spTree>
-      <p:nvGrpSpPr>
-        <p:cNvPr id="1" name=""/>
-        <p:cNvGrpSpPr/>
-        <p:nvPr/>
-      </p:nvGrpSpPr>
-      <p:grpSpPr>
-        <a:xfrm>
-          <a:off x="0" y="0"/>
-          <a:ext cx="0" cy="0"/>
-          <a:chOff x="0" y="0"/>
-          <a:chExt cx="0" cy="0"/>
-        </a:xfrm>
-      </p:grpSpPr>
-      <mc:AlternateContent xmlns:mc="http://schemas.openxmlformats.org/markup-compatibility/2006" xmlns:we="http://schemas.microsoft.com/office/webextensions/webextension/2010/11" xmlns:pca="http://schemas.microsoft.com/office/powerpoint/2013/contentapp">
-        <mc:Choice Requires="we pca">
-          <p:graphicFrame>
-            <p:nvGraphicFramePr>
-              <p:cNvPr id="2" name="Add-in 1" title="Microsoft Power BI">
-                <a:extLst>
-                  <a:ext uri="{FF2B5EF4-FFF2-40B4-BE49-F238E27FC236}">
-                    <a16:creationId xmlns:a16="http://schemas.microsoft.com/office/drawing/2014/main" id="{B32A85AA-CB61-3C9B-54F4-DF62143C1A59}"/>
-                  </a:ext>
-                </a:extLst>
-              </p:cNvPr>
-              <p:cNvGraphicFramePr>
-                <a:graphicFrameLocks noGrp="1"/>
-              </p:cNvGraphicFramePr>
-              <p:nvPr>
-                <p:extLst>
-                  <p:ext uri="{D42A27DB-BD31-4B8C-83A1-F6EECF244321}">
-                    <p14:modId xmlns:p14="http://schemas.microsoft.com/office/powerpoint/2010/main" val="3450463008"/>
-                  </p:ext>
-                </p:extLst>
-              </p:nvPr>
-            </p:nvGraphicFramePr>
-            <p:xfrm>
-              <a:off x="587829" y="429208"/>
-              <a:ext cx="11056775" cy="5716321"/>
-            </p:xfrm>
-            <a:graphic>
-              <a:graphicData uri="http://schemas.microsoft.com/office/webextensions/webextension/2010/11">
-                <we:webextensionref xmlns:we="http://schemas.microsoft.com/office/webextensions/webextension/2010/11" xmlns:r="http://schemas.openxmlformats.org/officeDocument/2006/relationships" r:id="rId2"/>
-              </a:graphicData>
-            </a:graphic>
-          </p:graphicFrame>
-        </mc:Choice>
-        <mc:Fallback xmlns="">
-          <p:pic>
-            <p:nvPicPr>
-              <p:cNvPr id="2" name="Add-in 1" title="Microsoft Power BI">
-                <a:extLst>
-                  <a:ext uri="{FF2B5EF4-FFF2-40B4-BE49-F238E27FC236}">
-                    <a16:creationId xmlns:a16="http://schemas.microsoft.com/office/drawing/2014/main" id="{B32A85AA-CB61-3C9B-54F4-DF62143C1A59}"/>
-                  </a:ext>
-                </a:extLst>
-              </p:cNvPr>
-              <p:cNvPicPr>
-                <a:picLocks noGrp="1" noRot="1" noChangeAspect="1" noMove="1" noResize="1" noEditPoints="1" noAdjustHandles="1" noChangeArrowheads="1" noChangeShapeType="1"/>
-              </p:cNvPicPr>
-              <p:nvPr/>
-            </p:nvPicPr>
-            <p:blipFill>
-              <a:blip r:embed="rId3"/>
-              <a:stretch>
-                <a:fillRect/>
-              </a:stretch>
-            </p:blipFill>
-            <p:spPr>
-              <a:xfrm>
-                <a:off x="587829" y="429208"/>
-                <a:ext cx="11056775" cy="5716321"/>
-              </a:xfrm>
-              <a:prstGeom prst="rect">
-                <a:avLst/>
-              </a:prstGeom>
-            </p:spPr>
-          </p:pic>
-        </mc:Fallback>
-      </mc:AlternateContent>
-    </p:spTree>
-    <p:extLst>
-      <p:ext uri="{BB962C8B-B14F-4D97-AF65-F5344CB8AC3E}">
-        <p14:creationId xmlns:p14="http://schemas.microsoft.com/office/powerpoint/2010/main" val="3597445295"/>
       </p:ext>
     </p:extLst>
   </p:cSld>
@@ -5146,6 +5278,13 @@
           <a:p>
             <a:r>
               <a:rPr lang="en-US" dirty="0"/>
+              <a:t>Dashboard Summary &amp; </a:t>
+            </a:r>
+            <a:br>
+              <a:rPr lang="en-US" dirty="0"/>
+            </a:br>
+            <a:r>
+              <a:rPr lang="en-US" dirty="0"/>
               <a:t>Notable insights/findings:</a:t>
             </a:r>
           </a:p>
@@ -5176,26 +5315,20 @@
           <a:p>
             <a:r>
               <a:rPr lang="en-US" dirty="0"/>
-              <a:t>Members have two spikes during the day, a morning rush to work (7-9:30am) and evening rush after work (4-7:30pm)</a:t>
+              <a:t>The interactive Start Stations Map and End Stations Map represent all trips taken and all bike stations. Gradient color and bubble size highlights the popularity of the lakefront, downtown, and tourist locations of Chicago.</a:t>
             </a:r>
           </a:p>
           <a:p>
             <a:r>
               <a:rPr lang="en-US" dirty="0"/>
-              <a:t>Casual riders have a gradual daily spike peaking 3-7:30pm</a:t>
-            </a:r>
-          </a:p>
-          <a:p>
-            <a:r>
-              <a:rPr lang="en-US" dirty="0"/>
-              <a:t>60% of all users choose classic bikes for rides</a:t>
-            </a:r>
-          </a:p>
-          <a:p>
-            <a:r>
-              <a:rPr lang="en-US" dirty="0"/>
-              <a:t>36% of all users choose electric bikes for rides</a:t>
-            </a:r>
+              <a:t>Many stations south of downtown Chicago are less frequently used, indicating that residential areas bike stations are used less often (assuming the stations are stocked with bikes)</a:t>
+            </a:r>
+          </a:p>
+          <a:p>
+            <a:pPr marL="0" indent="0">
+              <a:buNone/>
+            </a:pPr>
+            <a:endParaRPr lang="en-US" dirty="0"/>
           </a:p>
           <a:p>
             <a:endParaRPr lang="en-US" dirty="0"/>
@@ -5205,7 +5338,7 @@
     </p:spTree>
     <p:extLst>
       <p:ext uri="{BB962C8B-B14F-4D97-AF65-F5344CB8AC3E}">
-        <p14:creationId xmlns:p14="http://schemas.microsoft.com/office/powerpoint/2010/main" val="2837890604"/>
+        <p14:creationId xmlns:p14="http://schemas.microsoft.com/office/powerpoint/2010/main" val="1613939473"/>
       </p:ext>
     </p:extLst>
   </p:cSld>
@@ -5232,14 +5365,14 @@
           <a:chExt cx="0" cy="0"/>
         </a:xfrm>
       </p:grpSpPr>
-      <mc:AlternateContent xmlns:mc="http://schemas.openxmlformats.org/markup-compatibility/2006" xmlns:we="http://schemas.microsoft.com/office/webextensions/webextension/2010/11" xmlns:pca="http://schemas.microsoft.com/office/powerpoint/2013/contentapp">
-        <mc:Choice Requires="we pca">
+      <mc:AlternateContent xmlns:mc="http://schemas.openxmlformats.org/markup-compatibility/2006">
+        <mc:Choice xmlns:we="http://schemas.microsoft.com/office/webextensions/webextension/2010/11" xmlns:pca="http://schemas.microsoft.com/office/powerpoint/2013/contentapp" Requires="we pca">
           <p:graphicFrame>
             <p:nvGraphicFramePr>
               <p:cNvPr id="2" name="Add-in 1" title="Microsoft Power BI">
                 <a:extLst>
                   <a:ext uri="{FF2B5EF4-FFF2-40B4-BE49-F238E27FC236}">
-                    <a16:creationId xmlns:a16="http://schemas.microsoft.com/office/drawing/2014/main" id="{A18AAA6F-C755-2C27-F26E-7DC9D776BAA0}"/>
+                    <a16:creationId xmlns:a16="http://schemas.microsoft.com/office/drawing/2014/main" id="{B32A85AA-CB61-3C9B-54F4-DF62143C1A59}"/>
                   </a:ext>
                 </a:extLst>
               </p:cNvPr>
@@ -5249,14 +5382,14 @@
               <p:nvPr>
                 <p:extLst>
                   <p:ext uri="{D42A27DB-BD31-4B8C-83A1-F6EECF244321}">
-                    <p14:modId xmlns:p14="http://schemas.microsoft.com/office/powerpoint/2010/main" val="15088538"/>
+                    <p14:modId xmlns:p14="http://schemas.microsoft.com/office/powerpoint/2010/main" val="3450463008"/>
                   </p:ext>
                 </p:extLst>
               </p:nvPr>
             </p:nvGraphicFramePr>
             <p:xfrm>
-              <a:off x="625151" y="438539"/>
-              <a:ext cx="10963469" cy="5706990"/>
+              <a:off x="587829" y="429208"/>
+              <a:ext cx="11056775" cy="5716321"/>
             </p:xfrm>
             <a:graphic>
               <a:graphicData uri="http://schemas.microsoft.com/office/webextensions/webextension/2010/11">
@@ -5265,13 +5398,13 @@
             </a:graphic>
           </p:graphicFrame>
         </mc:Choice>
-        <mc:Fallback xmlns="">
+        <mc:Fallback>
           <p:pic>
             <p:nvPicPr>
               <p:cNvPr id="2" name="Add-in 1" title="Microsoft Power BI">
                 <a:extLst>
                   <a:ext uri="{FF2B5EF4-FFF2-40B4-BE49-F238E27FC236}">
-                    <a16:creationId xmlns:a16="http://schemas.microsoft.com/office/drawing/2014/main" id="{A18AAA6F-C755-2C27-F26E-7DC9D776BAA0}"/>
+                    <a16:creationId xmlns:a16="http://schemas.microsoft.com/office/drawing/2014/main" id="{B32A85AA-CB61-3C9B-54F4-DF62143C1A59}"/>
                   </a:ext>
                 </a:extLst>
               </p:cNvPr>
@@ -5288,8 +5421,8 @@
             </p:blipFill>
             <p:spPr>
               <a:xfrm>
-                <a:off x="625151" y="438539"/>
-                <a:ext cx="10963469" cy="5706990"/>
+                <a:off x="587829" y="429208"/>
+                <a:ext cx="11056775" cy="5716321"/>
               </a:xfrm>
               <a:prstGeom prst="rect">
                 <a:avLst/>
@@ -5301,7 +5434,7 @@
     </p:spTree>
     <p:extLst>
       <p:ext uri="{BB962C8B-B14F-4D97-AF65-F5344CB8AC3E}">
-        <p14:creationId xmlns:p14="http://schemas.microsoft.com/office/powerpoint/2010/main" val="3252046175"/>
+        <p14:creationId xmlns:p14="http://schemas.microsoft.com/office/powerpoint/2010/main" val="3597445295"/>
       </p:ext>
     </p:extLst>
   </p:cSld>
@@ -5351,7 +5484,14 @@
           <a:p>
             <a:r>
               <a:rPr lang="en-US" dirty="0"/>
-              <a:t>Conclusion</a:t>
+              <a:t>Dashboard Summary &amp; </a:t>
+            </a:r>
+            <a:br>
+              <a:rPr lang="en-US" dirty="0"/>
+            </a:br>
+            <a:r>
+              <a:rPr lang="en-US" dirty="0"/>
+              <a:t>Notable insights/findings:</a:t>
             </a:r>
           </a:p>
         </p:txBody>
@@ -5381,14 +5521,254 @@
           <a:p>
             <a:r>
               <a:rPr lang="en-US" dirty="0"/>
-              <a:t>Members tend to use classic bikes for short work commutes, especially in the evening during the week, while casual riders mostly use bikes for longer rides of leisure on weekends</a:t>
+              <a:t>The left visuals represent all trips taken by members (top) and casual riders (bottom) by time of day</a:t>
             </a:r>
           </a:p>
           <a:p>
             <a:pPr lvl="1"/>
             <a:r>
               <a:rPr lang="en-US" dirty="0"/>
-              <a:t>We don’t know the comparison of different types of bikes available, but classic bikes are used most frequently</a:t>
+              <a:t>Members have two spikes during the day, a morning rush to work (7-9:30am) and evening rush after work (4-7:30pm)</a:t>
+            </a:r>
+          </a:p>
+          <a:p>
+            <a:pPr lvl="1"/>
+            <a:r>
+              <a:rPr lang="en-US" dirty="0"/>
+              <a:t>Casual riders have a gradual daily spike peaking 3-7:30pm</a:t>
+            </a:r>
+          </a:p>
+          <a:p>
+            <a:r>
+              <a:rPr lang="en-US" dirty="0"/>
+              <a:t>The top right visual compares members and casual riders against the day of the month to identify trends</a:t>
+            </a:r>
+          </a:p>
+          <a:p>
+            <a:r>
+              <a:rPr lang="en-US" dirty="0"/>
+              <a:t>The bottom right figures compare bike types used by users and the total hours used by month</a:t>
+            </a:r>
+          </a:p>
+          <a:p>
+            <a:pPr lvl="1"/>
+            <a:r>
+              <a:rPr lang="en-US" dirty="0"/>
+              <a:t>60% of all users choose classic bikes for rides, 36% of all users choose electric bikes for rides</a:t>
+            </a:r>
+          </a:p>
+          <a:p>
+            <a:pPr lvl="1"/>
+            <a:r>
+              <a:rPr lang="en-US" dirty="0"/>
+              <a:t>June was the most popular month for classic bikes, August was the most popular month for electric</a:t>
+            </a:r>
+          </a:p>
+          <a:p>
+            <a:endParaRPr lang="en-US" dirty="0"/>
+          </a:p>
+        </p:txBody>
+      </p:sp>
+    </p:spTree>
+    <p:extLst>
+      <p:ext uri="{BB962C8B-B14F-4D97-AF65-F5344CB8AC3E}">
+        <p14:creationId xmlns:p14="http://schemas.microsoft.com/office/powerpoint/2010/main" val="2837890604"/>
+      </p:ext>
+    </p:extLst>
+  </p:cSld>
+  <p:clrMapOvr>
+    <a:masterClrMapping/>
+  </p:clrMapOvr>
+</p:sld>
+</file>
+
+<file path=ppt/slides/slide17.xml><?xml version="1.0" encoding="utf-8"?>
+<p:sld xmlns:a="http://schemas.openxmlformats.org/drawingml/2006/main" xmlns:r="http://schemas.openxmlformats.org/officeDocument/2006/relationships" xmlns:p="http://schemas.openxmlformats.org/presentationml/2006/main">
+  <p:cSld>
+    <p:spTree>
+      <p:nvGrpSpPr>
+        <p:cNvPr id="1" name=""/>
+        <p:cNvGrpSpPr/>
+        <p:nvPr/>
+      </p:nvGrpSpPr>
+      <p:grpSpPr>
+        <a:xfrm>
+          <a:off x="0" y="0"/>
+          <a:ext cx="0" cy="0"/>
+          <a:chOff x="0" y="0"/>
+          <a:chExt cx="0" cy="0"/>
+        </a:xfrm>
+      </p:grpSpPr>
+      <mc:AlternateContent xmlns:mc="http://schemas.openxmlformats.org/markup-compatibility/2006">
+        <mc:Choice xmlns:we="http://schemas.microsoft.com/office/webextensions/webextension/2010/11" xmlns:pca="http://schemas.microsoft.com/office/powerpoint/2013/contentapp" Requires="we pca">
+          <p:graphicFrame>
+            <p:nvGraphicFramePr>
+              <p:cNvPr id="2" name="Add-in 1" title="Microsoft Power BI">
+                <a:extLst>
+                  <a:ext uri="{FF2B5EF4-FFF2-40B4-BE49-F238E27FC236}">
+                    <a16:creationId xmlns:a16="http://schemas.microsoft.com/office/drawing/2014/main" id="{A18AAA6F-C755-2C27-F26E-7DC9D776BAA0}"/>
+                  </a:ext>
+                </a:extLst>
+              </p:cNvPr>
+              <p:cNvGraphicFramePr>
+                <a:graphicFrameLocks noGrp="1"/>
+              </p:cNvGraphicFramePr>
+              <p:nvPr>
+                <p:extLst>
+                  <p:ext uri="{D42A27DB-BD31-4B8C-83A1-F6EECF244321}">
+                    <p14:modId xmlns:p14="http://schemas.microsoft.com/office/powerpoint/2010/main" val="15088538"/>
+                  </p:ext>
+                </p:extLst>
+              </p:nvPr>
+            </p:nvGraphicFramePr>
+            <p:xfrm>
+              <a:off x="625151" y="438539"/>
+              <a:ext cx="10963469" cy="5706990"/>
+            </p:xfrm>
+            <a:graphic>
+              <a:graphicData uri="http://schemas.microsoft.com/office/webextensions/webextension/2010/11">
+                <we:webextensionref xmlns:we="http://schemas.microsoft.com/office/webextensions/webextension/2010/11" xmlns:r="http://schemas.openxmlformats.org/officeDocument/2006/relationships" r:id="rId2"/>
+              </a:graphicData>
+            </a:graphic>
+          </p:graphicFrame>
+        </mc:Choice>
+        <mc:Fallback>
+          <p:pic>
+            <p:nvPicPr>
+              <p:cNvPr id="2" name="Add-in 1" title="Microsoft Power BI">
+                <a:extLst>
+                  <a:ext uri="{FF2B5EF4-FFF2-40B4-BE49-F238E27FC236}">
+                    <a16:creationId xmlns:a16="http://schemas.microsoft.com/office/drawing/2014/main" id="{A18AAA6F-C755-2C27-F26E-7DC9D776BAA0}"/>
+                  </a:ext>
+                </a:extLst>
+              </p:cNvPr>
+              <p:cNvPicPr>
+                <a:picLocks noGrp="1" noRot="1" noChangeAspect="1" noMove="1" noResize="1" noEditPoints="1" noAdjustHandles="1" noChangeArrowheads="1" noChangeShapeType="1"/>
+              </p:cNvPicPr>
+              <p:nvPr/>
+            </p:nvPicPr>
+            <p:blipFill>
+              <a:blip r:embed="rId3"/>
+              <a:stretch>
+                <a:fillRect/>
+              </a:stretch>
+            </p:blipFill>
+            <p:spPr>
+              <a:xfrm>
+                <a:off x="625151" y="438539"/>
+                <a:ext cx="10963469" cy="5706990"/>
+              </a:xfrm>
+              <a:prstGeom prst="rect">
+                <a:avLst/>
+              </a:prstGeom>
+            </p:spPr>
+          </p:pic>
+        </mc:Fallback>
+      </mc:AlternateContent>
+    </p:spTree>
+    <p:extLst>
+      <p:ext uri="{BB962C8B-B14F-4D97-AF65-F5344CB8AC3E}">
+        <p14:creationId xmlns:p14="http://schemas.microsoft.com/office/powerpoint/2010/main" val="3252046175"/>
+      </p:ext>
+    </p:extLst>
+  </p:cSld>
+  <p:clrMapOvr>
+    <a:masterClrMapping/>
+  </p:clrMapOvr>
+</p:sld>
+</file>
+
+<file path=ppt/slides/slide18.xml><?xml version="1.0" encoding="utf-8"?>
+<p:sld xmlns:a="http://schemas.openxmlformats.org/drawingml/2006/main" xmlns:r="http://schemas.openxmlformats.org/officeDocument/2006/relationships" xmlns:p="http://schemas.openxmlformats.org/presentationml/2006/main">
+  <p:cSld>
+    <p:spTree>
+      <p:nvGrpSpPr>
+        <p:cNvPr id="1" name=""/>
+        <p:cNvGrpSpPr/>
+        <p:nvPr/>
+      </p:nvGrpSpPr>
+      <p:grpSpPr>
+        <a:xfrm>
+          <a:off x="0" y="0"/>
+          <a:ext cx="0" cy="0"/>
+          <a:chOff x="0" y="0"/>
+          <a:chExt cx="0" cy="0"/>
+        </a:xfrm>
+      </p:grpSpPr>
+      <p:sp>
+        <p:nvSpPr>
+          <p:cNvPr id="2" name="Title 1">
+            <a:extLst>
+              <a:ext uri="{FF2B5EF4-FFF2-40B4-BE49-F238E27FC236}">
+                <a16:creationId xmlns:a16="http://schemas.microsoft.com/office/drawing/2014/main" id="{30A86AAC-3E0F-298B-93BD-1BC8FBCDBA6F}"/>
+              </a:ext>
+            </a:extLst>
+          </p:cNvPr>
+          <p:cNvSpPr>
+            <a:spLocks noGrp="1"/>
+          </p:cNvSpPr>
+          <p:nvPr>
+            <p:ph type="title"/>
+          </p:nvPr>
+        </p:nvSpPr>
+        <p:spPr/>
+        <p:txBody>
+          <a:bodyPr/>
+          <a:lstStyle/>
+          <a:p>
+            <a:r>
+              <a:rPr lang="en-US" dirty="0"/>
+              <a:t>Conclusion</a:t>
+            </a:r>
+          </a:p>
+        </p:txBody>
+      </p:sp>
+      <p:sp>
+        <p:nvSpPr>
+          <p:cNvPr id="3" name="Content Placeholder 2">
+            <a:extLst>
+              <a:ext uri="{FF2B5EF4-FFF2-40B4-BE49-F238E27FC236}">
+                <a16:creationId xmlns:a16="http://schemas.microsoft.com/office/drawing/2014/main" id="{3AEB41D8-D7CE-3910-B53D-114000332FE5}"/>
+              </a:ext>
+            </a:extLst>
+          </p:cNvPr>
+          <p:cNvSpPr>
+            <a:spLocks noGrp="1"/>
+          </p:cNvSpPr>
+          <p:nvPr>
+            <p:ph idx="1"/>
+          </p:nvPr>
+        </p:nvSpPr>
+        <p:spPr/>
+        <p:txBody>
+          <a:bodyPr>
+            <a:normAutofit/>
+          </a:bodyPr>
+          <a:lstStyle/>
+          <a:p>
+            <a:r>
+              <a:rPr lang="en-US" dirty="0"/>
+              <a:t>Members tend to use classic bikes for short work commutes, especially in the evening during the week (Tuesday – Thursday). Casual riders mostly use bikes for longer rides of leisure on weekends.</a:t>
+            </a:r>
+          </a:p>
+          <a:p>
+            <a:pPr lvl="1"/>
+            <a:r>
+              <a:rPr lang="en-US" dirty="0"/>
+              <a:t>Different bike types physically available are unknown, so we assume all bike types are always available to any potential user</a:t>
+            </a:r>
+          </a:p>
+          <a:p>
+            <a:pPr lvl="1"/>
+            <a:r>
+              <a:rPr lang="en-US" dirty="0"/>
+              <a:t>Classic bikes are used most frequently, docked bikes are used the least</a:t>
+            </a:r>
+          </a:p>
+          <a:p>
+            <a:r>
+              <a:rPr lang="en-US" dirty="0"/>
+              <a:t>Both members and casual riders generally take longer rides on the weekends and shorter rides during the week</a:t>
             </a:r>
           </a:p>
           <a:p>
@@ -5398,7 +5778,10 @@
             </a:r>
           </a:p>
           <a:p>
-            <a:endParaRPr lang="en-US" dirty="0"/>
+            <a:r>
+              <a:rPr lang="en-US" dirty="0"/>
+              <a:t>Electric bike use peaked in August with its low in December</a:t>
+            </a:r>
           </a:p>
         </p:txBody>
       </p:sp>
@@ -5415,7 +5798,7 @@
 </p:sld>
 </file>
 
-<file path=ppt/slides/slide17.xml><?xml version="1.0" encoding="utf-8"?>
+<file path=ppt/slides/slide19.xml><?xml version="1.0" encoding="utf-8"?>
 <p:sld xmlns:a="http://schemas.openxmlformats.org/drawingml/2006/main" xmlns:r="http://schemas.openxmlformats.org/officeDocument/2006/relationships" xmlns:p="http://schemas.openxmlformats.org/presentationml/2006/main">
   <p:cSld>
     <p:spTree>
@@ -5549,7 +5932,245 @@
 </p:sld>
 </file>
 
-<file path=ppt/slides/slide18.xml><?xml version="1.0" encoding="utf-8"?>
+<file path=ppt/slides/slide2.xml><?xml version="1.0" encoding="utf-8"?>
+<p:sld xmlns:a="http://schemas.openxmlformats.org/drawingml/2006/main" xmlns:r="http://schemas.openxmlformats.org/officeDocument/2006/relationships" xmlns:p="http://schemas.openxmlformats.org/presentationml/2006/main" show="0">
+  <p:cSld>
+    <p:spTree>
+      <p:nvGrpSpPr>
+        <p:cNvPr id="1" name=""/>
+        <p:cNvGrpSpPr/>
+        <p:nvPr/>
+      </p:nvGrpSpPr>
+      <p:grpSpPr>
+        <a:xfrm>
+          <a:off x="0" y="0"/>
+          <a:ext cx="0" cy="0"/>
+          <a:chOff x="0" y="0"/>
+          <a:chExt cx="0" cy="0"/>
+        </a:xfrm>
+      </p:grpSpPr>
+      <p:sp>
+        <p:nvSpPr>
+          <p:cNvPr id="2" name="Title 1">
+            <a:extLst>
+              <a:ext uri="{FF2B5EF4-FFF2-40B4-BE49-F238E27FC236}">
+                <a16:creationId xmlns:a16="http://schemas.microsoft.com/office/drawing/2014/main" id="{C8BC63EE-FC51-E6B7-6503-E5AEC8ADAAE3}"/>
+              </a:ext>
+            </a:extLst>
+          </p:cNvPr>
+          <p:cNvSpPr>
+            <a:spLocks noGrp="1"/>
+          </p:cNvSpPr>
+          <p:nvPr>
+            <p:ph type="title"/>
+          </p:nvPr>
+        </p:nvSpPr>
+        <p:spPr>
+          <a:xfrm>
+            <a:off x="838200" y="365125"/>
+            <a:ext cx="10515600" cy="2816614"/>
+          </a:xfrm>
+        </p:spPr>
+        <p:txBody>
+          <a:bodyPr>
+            <a:normAutofit/>
+          </a:bodyPr>
+          <a:lstStyle/>
+          <a:p>
+            <a:r>
+              <a:rPr lang="en-US" sz="4800" dirty="0"/>
+              <a:t>Google Data Analytics Capstone Project: </a:t>
+            </a:r>
+            <a:r>
+              <a:rPr lang="en-US" sz="4800" dirty="0" err="1"/>
+              <a:t>Cyclistic</a:t>
+            </a:r>
+            <a:r>
+              <a:rPr lang="en-US" sz="4800" dirty="0"/>
+              <a:t> Case Study</a:t>
+            </a:r>
+          </a:p>
+        </p:txBody>
+      </p:sp>
+      <p:sp>
+        <p:nvSpPr>
+          <p:cNvPr id="3" name="Content Placeholder 2">
+            <a:extLst>
+              <a:ext uri="{FF2B5EF4-FFF2-40B4-BE49-F238E27FC236}">
+                <a16:creationId xmlns:a16="http://schemas.microsoft.com/office/drawing/2014/main" id="{2DC803DE-6AA3-748A-3CF1-F53A0BFAA7C2}"/>
+              </a:ext>
+            </a:extLst>
+          </p:cNvPr>
+          <p:cNvSpPr>
+            <a:spLocks noGrp="1"/>
+          </p:cNvSpPr>
+          <p:nvPr>
+            <p:ph idx="1"/>
+          </p:nvPr>
+        </p:nvSpPr>
+        <p:spPr>
+          <a:xfrm>
+            <a:off x="838200" y="3937517"/>
+            <a:ext cx="10515600" cy="2239445"/>
+          </a:xfrm>
+        </p:spPr>
+        <p:txBody>
+          <a:bodyPr/>
+          <a:lstStyle/>
+          <a:p>
+            <a:pPr marL="0" indent="0" algn="r">
+              <a:buNone/>
+            </a:pPr>
+            <a:r>
+              <a:rPr lang="en-US" dirty="0"/>
+              <a:t>Jesse Richardville</a:t>
+            </a:r>
+          </a:p>
+          <a:p>
+            <a:pPr marL="0" indent="0" algn="r">
+              <a:buNone/>
+            </a:pPr>
+            <a:r>
+              <a:rPr lang="en-US" dirty="0"/>
+              <a:t>1/5/2023</a:t>
+            </a:r>
+          </a:p>
+        </p:txBody>
+      </p:sp>
+      <mc:AlternateContent xmlns:mc="http://schemas.openxmlformats.org/markup-compatibility/2006">
+        <mc:Choice xmlns:we="http://schemas.microsoft.com/office/webextensions/webextension/2010/11" xmlns:pca="http://schemas.microsoft.com/office/powerpoint/2013/contentapp" Requires="we pca">
+          <p:graphicFrame>
+            <p:nvGraphicFramePr>
+              <p:cNvPr id="4" name="Add-in 3" title="Web Viewer">
+                <a:extLst>
+                  <a:ext uri="{FF2B5EF4-FFF2-40B4-BE49-F238E27FC236}">
+                    <a16:creationId xmlns:a16="http://schemas.microsoft.com/office/drawing/2014/main" id="{09118090-FC0E-E8B7-2D9C-9D16872A3270}"/>
+                  </a:ext>
+                </a:extLst>
+              </p:cNvPr>
+              <p:cNvGraphicFramePr>
+                <a:graphicFrameLocks noGrp="1"/>
+              </p:cNvGraphicFramePr>
+              <p:nvPr/>
+            </p:nvGraphicFramePr>
+            <p:xfrm>
+              <a:off x="1524000" y="857249"/>
+              <a:ext cx="9144000" cy="5143500"/>
+            </p:xfrm>
+            <a:graphic>
+              <a:graphicData uri="http://schemas.microsoft.com/office/webextensions/webextension/2010/11">
+                <we:webextensionref xmlns:we="http://schemas.microsoft.com/office/webextensions/webextension/2010/11" xmlns:r="http://schemas.openxmlformats.org/officeDocument/2006/relationships" r:id="rId2"/>
+              </a:graphicData>
+            </a:graphic>
+          </p:graphicFrame>
+        </mc:Choice>
+        <mc:Fallback>
+          <p:pic>
+            <p:nvPicPr>
+              <p:cNvPr id="4" name="Add-in 3" title="Web Viewer">
+                <a:extLst>
+                  <a:ext uri="{FF2B5EF4-FFF2-40B4-BE49-F238E27FC236}">
+                    <a16:creationId xmlns:a16="http://schemas.microsoft.com/office/drawing/2014/main" id="{09118090-FC0E-E8B7-2D9C-9D16872A3270}"/>
+                  </a:ext>
+                </a:extLst>
+              </p:cNvPr>
+              <p:cNvPicPr>
+                <a:picLocks noGrp="1" noRot="1" noChangeAspect="1" noMove="1" noResize="1" noEditPoints="1" noAdjustHandles="1" noChangeArrowheads="1" noChangeShapeType="1"/>
+              </p:cNvPicPr>
+              <p:nvPr/>
+            </p:nvPicPr>
+            <p:blipFill>
+              <a:blip r:embed="rId3"/>
+              <a:stretch>
+                <a:fillRect/>
+              </a:stretch>
+            </p:blipFill>
+            <p:spPr>
+              <a:xfrm>
+                <a:off x="1524000" y="857249"/>
+                <a:ext cx="9144000" cy="5143500"/>
+              </a:xfrm>
+              <a:prstGeom prst="rect">
+                <a:avLst/>
+              </a:prstGeom>
+            </p:spPr>
+          </p:pic>
+        </mc:Fallback>
+      </mc:AlternateContent>
+      <mc:AlternateContent xmlns:mc="http://schemas.openxmlformats.org/markup-compatibility/2006">
+        <mc:Choice xmlns:we="http://schemas.microsoft.com/office/webextensions/webextension/2010/11" xmlns:pca="http://schemas.microsoft.com/office/powerpoint/2013/contentapp" Requires="we pca">
+          <p:graphicFrame>
+            <p:nvGraphicFramePr>
+              <p:cNvPr id="5" name="Add-in 4" title="Power BI Tiles">
+                <a:extLst>
+                  <a:ext uri="{FF2B5EF4-FFF2-40B4-BE49-F238E27FC236}">
+                    <a16:creationId xmlns:a16="http://schemas.microsoft.com/office/drawing/2014/main" id="{5028A942-4E8D-4313-65A4-FB6A215AD11D}"/>
+                  </a:ext>
+                </a:extLst>
+              </p:cNvPr>
+              <p:cNvGraphicFramePr>
+                <a:graphicFrameLocks noGrp="1"/>
+              </p:cNvGraphicFramePr>
+              <p:nvPr/>
+            </p:nvGraphicFramePr>
+            <p:xfrm>
+              <a:off x="3238500" y="1283969"/>
+              <a:ext cx="5715000" cy="4290060"/>
+            </p:xfrm>
+            <a:graphic>
+              <a:graphicData uri="http://schemas.microsoft.com/office/webextensions/webextension/2010/11">
+                <we:webextensionref xmlns:we="http://schemas.microsoft.com/office/webextensions/webextension/2010/11" xmlns:r="http://schemas.openxmlformats.org/officeDocument/2006/relationships" r:id="rId4"/>
+              </a:graphicData>
+            </a:graphic>
+          </p:graphicFrame>
+        </mc:Choice>
+        <mc:Fallback>
+          <p:pic>
+            <p:nvPicPr>
+              <p:cNvPr id="5" name="Add-in 4" title="Power BI Tiles">
+                <a:extLst>
+                  <a:ext uri="{FF2B5EF4-FFF2-40B4-BE49-F238E27FC236}">
+                    <a16:creationId xmlns:a16="http://schemas.microsoft.com/office/drawing/2014/main" id="{5028A942-4E8D-4313-65A4-FB6A215AD11D}"/>
+                  </a:ext>
+                </a:extLst>
+              </p:cNvPr>
+              <p:cNvPicPr>
+                <a:picLocks noGrp="1" noRot="1" noChangeAspect="1" noMove="1" noResize="1" noEditPoints="1" noAdjustHandles="1" noChangeArrowheads="1" noChangeShapeType="1"/>
+              </p:cNvPicPr>
+              <p:nvPr/>
+            </p:nvPicPr>
+            <p:blipFill>
+              <a:blip r:embed="rId5"/>
+              <a:stretch>
+                <a:fillRect/>
+              </a:stretch>
+            </p:blipFill>
+            <p:spPr>
+              <a:xfrm>
+                <a:off x="3238500" y="1283969"/>
+                <a:ext cx="5715000" cy="4290060"/>
+              </a:xfrm>
+              <a:prstGeom prst="rect">
+                <a:avLst/>
+              </a:prstGeom>
+            </p:spPr>
+          </p:pic>
+        </mc:Fallback>
+      </mc:AlternateContent>
+    </p:spTree>
+    <p:extLst>
+      <p:ext uri="{BB962C8B-B14F-4D97-AF65-F5344CB8AC3E}">
+        <p14:creationId xmlns:p14="http://schemas.microsoft.com/office/powerpoint/2010/main" val="3135211716"/>
+      </p:ext>
+    </p:extLst>
+  </p:cSld>
+  <p:clrMapOvr>
+    <a:masterClrMapping/>
+  </p:clrMapOvr>
+</p:sld>
+</file>
+
+<file path=ppt/slides/slide20.xml><?xml version="1.0" encoding="utf-8"?>
 <p:sld xmlns:a="http://schemas.openxmlformats.org/drawingml/2006/main" xmlns:r="http://schemas.openxmlformats.org/officeDocument/2006/relationships" xmlns:p="http://schemas.openxmlformats.org/presentationml/2006/main">
   <p:cSld>
     <p:spTree>
@@ -5607,7 +6228,7 @@
 </p:sld>
 </file>
 
-<file path=ppt/slides/slide19.xml><?xml version="1.0" encoding="utf-8"?>
+<file path=ppt/slides/slide21.xml><?xml version="1.0" encoding="utf-8"?>
 <p:sld xmlns:a="http://schemas.openxmlformats.org/drawingml/2006/main" xmlns:r="http://schemas.openxmlformats.org/officeDocument/2006/relationships" xmlns:p="http://schemas.openxmlformats.org/presentationml/2006/main" show="0">
   <p:cSld>
     <p:spTree>
@@ -13261,174 +13882,7 @@
 </p:sld>
 </file>
 
-<file path=ppt/slides/slide2.xml><?xml version="1.0" encoding="utf-8"?>
-<p:sld xmlns:a="http://schemas.openxmlformats.org/drawingml/2006/main" xmlns:r="http://schemas.openxmlformats.org/officeDocument/2006/relationships" xmlns:p="http://schemas.openxmlformats.org/presentationml/2006/main">
-  <p:cSld>
-    <p:spTree>
-      <p:nvGrpSpPr>
-        <p:cNvPr id="1" name=""/>
-        <p:cNvGrpSpPr/>
-        <p:nvPr/>
-      </p:nvGrpSpPr>
-      <p:grpSpPr>
-        <a:xfrm>
-          <a:off x="0" y="0"/>
-          <a:ext cx="0" cy="0"/>
-          <a:chOff x="0" y="0"/>
-          <a:chExt cx="0" cy="0"/>
-        </a:xfrm>
-      </p:grpSpPr>
-      <p:sp>
-        <p:nvSpPr>
-          <p:cNvPr id="2" name="Title 1">
-            <a:extLst>
-              <a:ext uri="{FF2B5EF4-FFF2-40B4-BE49-F238E27FC236}">
-                <a16:creationId xmlns:a16="http://schemas.microsoft.com/office/drawing/2014/main" id="{0439D47C-E995-395C-72CA-833EE8DF7F56}"/>
-              </a:ext>
-            </a:extLst>
-          </p:cNvPr>
-          <p:cNvSpPr>
-            <a:spLocks noGrp="1"/>
-          </p:cNvSpPr>
-          <p:nvPr>
-            <p:ph type="title"/>
-          </p:nvPr>
-        </p:nvSpPr>
-        <p:spPr>
-          <a:xfrm>
-            <a:off x="838200" y="365125"/>
-            <a:ext cx="10515600" cy="941161"/>
-          </a:xfrm>
-        </p:spPr>
-        <p:txBody>
-          <a:bodyPr/>
-          <a:lstStyle/>
-          <a:p>
-            <a:r>
-              <a:rPr lang="en-US" dirty="0"/>
-              <a:t>About </a:t>
-            </a:r>
-            <a:r>
-              <a:rPr lang="en-US" dirty="0" err="1"/>
-              <a:t>Cyclistic</a:t>
-            </a:r>
-            <a:endParaRPr lang="en-US" dirty="0"/>
-          </a:p>
-        </p:txBody>
-      </p:sp>
-      <p:sp>
-        <p:nvSpPr>
-          <p:cNvPr id="3" name="Content Placeholder 2">
-            <a:extLst>
-              <a:ext uri="{FF2B5EF4-FFF2-40B4-BE49-F238E27FC236}">
-                <a16:creationId xmlns:a16="http://schemas.microsoft.com/office/drawing/2014/main" id="{7D11FBDD-8224-BAFC-C85A-31D5288E5A38}"/>
-              </a:ext>
-            </a:extLst>
-          </p:cNvPr>
-          <p:cNvSpPr>
-            <a:spLocks noGrp="1"/>
-          </p:cNvSpPr>
-          <p:nvPr>
-            <p:ph idx="1"/>
-          </p:nvPr>
-        </p:nvSpPr>
-        <p:spPr>
-          <a:xfrm>
-            <a:off x="838200" y="1390261"/>
-            <a:ext cx="10515600" cy="4786702"/>
-          </a:xfrm>
-        </p:spPr>
-        <p:txBody>
-          <a:bodyPr>
-            <a:normAutofit/>
-          </a:bodyPr>
-          <a:lstStyle/>
-          <a:p>
-            <a:r>
-              <a:rPr lang="en-US" dirty="0"/>
-              <a:t>In 2016, </a:t>
-            </a:r>
-            <a:r>
-              <a:rPr lang="en-US" dirty="0" err="1"/>
-              <a:t>Cyclistic</a:t>
-            </a:r>
-            <a:r>
-              <a:rPr lang="en-US" dirty="0"/>
-              <a:t> launched a successful bike-share offering. Since then, the program has grown to a fleet of 5,824 bicycles that are geo-tracked and locked into a network of 692 stations across Chicago. The bikes can be unlocked from one station and returned to any other station in the system anytime.</a:t>
-            </a:r>
-          </a:p>
-          <a:p>
-            <a:r>
-              <a:rPr lang="en-US" dirty="0"/>
-              <a:t>Until now, </a:t>
-            </a:r>
-            <a:r>
-              <a:rPr lang="en-US" dirty="0" err="1"/>
-              <a:t>Cyclistic’s</a:t>
-            </a:r>
-            <a:r>
-              <a:rPr lang="en-US" dirty="0"/>
-              <a:t> marketing strategy relied on building general awareness and appealing to broad consumer segments. One approach that helped make these things possible was the flexibility of its pricing plans: single-ride passes, full-day passes, and annual memberships. Customers who purchase single-ride or full-day passes are referred to as casual riders. Customers who purchase annual memberships are </a:t>
-            </a:r>
-            <a:r>
-              <a:rPr lang="en-US" dirty="0" err="1"/>
-              <a:t>Cyclistic</a:t>
-            </a:r>
-            <a:r>
-              <a:rPr lang="en-US" dirty="0"/>
-              <a:t> members.</a:t>
-            </a:r>
-          </a:p>
-          <a:p>
-            <a:r>
-              <a:rPr lang="en-US" dirty="0" err="1"/>
-              <a:t>Cyclistic’s</a:t>
-            </a:r>
-            <a:r>
-              <a:rPr lang="en-US" dirty="0"/>
-              <a:t> finance analysts have concluded that annual members are much more profitable than casual riders. Although the pricing flexibility helps </a:t>
-            </a:r>
-            <a:r>
-              <a:rPr lang="en-US" dirty="0" err="1"/>
-              <a:t>Cyclistic</a:t>
-            </a:r>
-            <a:r>
-              <a:rPr lang="en-US" dirty="0"/>
-              <a:t> attract more customers, the director of marketing believes that maximizing the number of annual members will be key to future growth. Rather than creating a marketing campaign that targets all-new customers, the director of marketing believes there is a very good chance to convert casual riders into members. She notes that casual riders are already aware of the </a:t>
-            </a:r>
-            <a:r>
-              <a:rPr lang="en-US" dirty="0" err="1"/>
-              <a:t>Cyclistic</a:t>
-            </a:r>
-            <a:r>
-              <a:rPr lang="en-US" dirty="0"/>
-              <a:t> program and have chosen </a:t>
-            </a:r>
-            <a:r>
-              <a:rPr lang="en-US" dirty="0" err="1"/>
-              <a:t>Cyclistic</a:t>
-            </a:r>
-            <a:r>
-              <a:rPr lang="en-US" dirty="0"/>
-              <a:t> for their mobility needs.</a:t>
-            </a:r>
-          </a:p>
-        </p:txBody>
-      </p:sp>
-    </p:spTree>
-    <p:extLst>
-      <p:ext uri="{BB962C8B-B14F-4D97-AF65-F5344CB8AC3E}">
-        <p14:creationId xmlns:p14="http://schemas.microsoft.com/office/powerpoint/2010/main" val="2731424636"/>
-      </p:ext>
-    </p:extLst>
-  </p:cSld>
-  <p:clrMapOvr>
-    <a:masterClrMapping/>
-  </p:clrMapOvr>
-</p:sld>
-</file>
-
-<file path=ppt/slides/slide20.xml><?xml version="1.0" encoding="utf-8"?>
+<file path=ppt/slides/slide22.xml><?xml version="1.0" encoding="utf-8"?>
 <p:sld xmlns:a="http://schemas.openxmlformats.org/drawingml/2006/main" xmlns:r="http://schemas.openxmlformats.org/officeDocument/2006/relationships" xmlns:p="http://schemas.openxmlformats.org/presentationml/2006/main">
   <p:cSld>
     <p:spTree>
@@ -13776,7 +14230,7 @@
 </p:sld>
 </file>
 
-<file path=ppt/slides/slide21.xml><?xml version="1.0" encoding="utf-8"?>
+<file path=ppt/slides/slide23.xml><?xml version="1.0" encoding="utf-8"?>
 <p:sld xmlns:a="http://schemas.openxmlformats.org/drawingml/2006/main" xmlns:r="http://schemas.openxmlformats.org/officeDocument/2006/relationships" xmlns:p="http://schemas.openxmlformats.org/presentationml/2006/main">
   <p:cSld>
     <p:spTree>
@@ -14026,7 +14480,7 @@
 </p:sld>
 </file>
 
-<file path=ppt/slides/slide22.xml><?xml version="1.0" encoding="utf-8"?>
+<file path=ppt/slides/slide24.xml><?xml version="1.0" encoding="utf-8"?>
 <p:sld xmlns:a="http://schemas.openxmlformats.org/drawingml/2006/main" xmlns:r="http://schemas.openxmlformats.org/officeDocument/2006/relationships" xmlns:p="http://schemas.openxmlformats.org/presentationml/2006/main">
   <p:cSld>
     <p:spTree>
@@ -14237,7 +14691,7 @@
 </p:sld>
 </file>
 
-<file path=ppt/slides/slide23.xml><?xml version="1.0" encoding="utf-8"?>
+<file path=ppt/slides/slide25.xml><?xml version="1.0" encoding="utf-8"?>
 <p:sld xmlns:a="http://schemas.openxmlformats.org/drawingml/2006/main" xmlns:r="http://schemas.openxmlformats.org/officeDocument/2006/relationships" xmlns:p="http://schemas.openxmlformats.org/presentationml/2006/main">
   <p:cSld>
     <p:spTree>
@@ -14442,7 +14896,7 @@
 </p:sld>
 </file>
 
-<file path=ppt/slides/slide24.xml><?xml version="1.0" encoding="utf-8"?>
+<file path=ppt/slides/slide26.xml><?xml version="1.0" encoding="utf-8"?>
 <p:sld xmlns:a="http://schemas.openxmlformats.org/drawingml/2006/main" xmlns:r="http://schemas.openxmlformats.org/officeDocument/2006/relationships" xmlns:p="http://schemas.openxmlformats.org/presentationml/2006/main">
   <p:cSld>
     <p:spTree>
@@ -14711,7 +15165,7 @@
 </p:sld>
 </file>
 
-<file path=ppt/slides/slide25.xml><?xml version="1.0" encoding="utf-8"?>
+<file path=ppt/slides/slide27.xml><?xml version="1.0" encoding="utf-8"?>
 <p:sld xmlns:a="http://schemas.openxmlformats.org/drawingml/2006/main" xmlns:r="http://schemas.openxmlformats.org/officeDocument/2006/relationships" xmlns:p="http://schemas.openxmlformats.org/presentationml/2006/main">
   <p:cSld>
     <p:spTree>
@@ -14989,6 +15443,173 @@
           <p:cNvPr id="2" name="Title 1">
             <a:extLst>
               <a:ext uri="{FF2B5EF4-FFF2-40B4-BE49-F238E27FC236}">
+                <a16:creationId xmlns:a16="http://schemas.microsoft.com/office/drawing/2014/main" id="{0439D47C-E995-395C-72CA-833EE8DF7F56}"/>
+              </a:ext>
+            </a:extLst>
+          </p:cNvPr>
+          <p:cNvSpPr>
+            <a:spLocks noGrp="1"/>
+          </p:cNvSpPr>
+          <p:nvPr>
+            <p:ph type="title"/>
+          </p:nvPr>
+        </p:nvSpPr>
+        <p:spPr>
+          <a:xfrm>
+            <a:off x="838200" y="365125"/>
+            <a:ext cx="10515600" cy="941161"/>
+          </a:xfrm>
+        </p:spPr>
+        <p:txBody>
+          <a:bodyPr/>
+          <a:lstStyle/>
+          <a:p>
+            <a:r>
+              <a:rPr lang="en-US" dirty="0"/>
+              <a:t>About </a:t>
+            </a:r>
+            <a:r>
+              <a:rPr lang="en-US" dirty="0" err="1"/>
+              <a:t>Cyclistic</a:t>
+            </a:r>
+            <a:endParaRPr lang="en-US" dirty="0"/>
+          </a:p>
+        </p:txBody>
+      </p:sp>
+      <p:sp>
+        <p:nvSpPr>
+          <p:cNvPr id="3" name="Content Placeholder 2">
+            <a:extLst>
+              <a:ext uri="{FF2B5EF4-FFF2-40B4-BE49-F238E27FC236}">
+                <a16:creationId xmlns:a16="http://schemas.microsoft.com/office/drawing/2014/main" id="{7D11FBDD-8224-BAFC-C85A-31D5288E5A38}"/>
+              </a:ext>
+            </a:extLst>
+          </p:cNvPr>
+          <p:cNvSpPr>
+            <a:spLocks noGrp="1"/>
+          </p:cNvSpPr>
+          <p:nvPr>
+            <p:ph idx="1"/>
+          </p:nvPr>
+        </p:nvSpPr>
+        <p:spPr>
+          <a:xfrm>
+            <a:off x="838200" y="1390261"/>
+            <a:ext cx="10515600" cy="4786702"/>
+          </a:xfrm>
+        </p:spPr>
+        <p:txBody>
+          <a:bodyPr>
+            <a:normAutofit/>
+          </a:bodyPr>
+          <a:lstStyle/>
+          <a:p>
+            <a:r>
+              <a:rPr lang="en-US" dirty="0"/>
+              <a:t>In 2016, </a:t>
+            </a:r>
+            <a:r>
+              <a:rPr lang="en-US" dirty="0" err="1"/>
+              <a:t>Cyclistic</a:t>
+            </a:r>
+            <a:r>
+              <a:rPr lang="en-US" dirty="0"/>
+              <a:t> launched a successful bike-share offering. Since then, the program has grown to a fleet of 5,824 bicycles that are geo-tracked and locked into a network of 692 stations across Chicago. The bikes can be unlocked from one station and returned to any other station in the system anytime.</a:t>
+            </a:r>
+          </a:p>
+          <a:p>
+            <a:r>
+              <a:rPr lang="en-US" dirty="0"/>
+              <a:t>Until now, </a:t>
+            </a:r>
+            <a:r>
+              <a:rPr lang="en-US" dirty="0" err="1"/>
+              <a:t>Cyclistic’s</a:t>
+            </a:r>
+            <a:r>
+              <a:rPr lang="en-US" dirty="0"/>
+              <a:t> marketing strategy relied on building general awareness and appealing to broad consumer segments. One approach that helped make these things possible was the flexibility of its pricing plans: single-ride passes, full-day passes, and annual memberships. Customers who purchase single-ride or full-day passes are referred to as casual riders. Customers who purchase annual memberships are </a:t>
+            </a:r>
+            <a:r>
+              <a:rPr lang="en-US" dirty="0" err="1"/>
+              <a:t>Cyclistic</a:t>
+            </a:r>
+            <a:r>
+              <a:rPr lang="en-US" dirty="0"/>
+              <a:t> members.</a:t>
+            </a:r>
+          </a:p>
+          <a:p>
+            <a:r>
+              <a:rPr lang="en-US" dirty="0" err="1"/>
+              <a:t>Cyclistic’s</a:t>
+            </a:r>
+            <a:r>
+              <a:rPr lang="en-US" dirty="0"/>
+              <a:t> finance analysts have concluded that annual members are much more profitable than casual riders. Although the pricing flexibility helps </a:t>
+            </a:r>
+            <a:r>
+              <a:rPr lang="en-US" dirty="0" err="1"/>
+              <a:t>Cyclistic</a:t>
+            </a:r>
+            <a:r>
+              <a:rPr lang="en-US" dirty="0"/>
+              <a:t> attract more customers, the director of marketing believes that maximizing the number of annual members will be key to future growth. Rather than creating a marketing campaign that targets all-new customers, the director of marketing believes there is a very good chance to convert casual riders into members. She notes that casual riders are already aware of the </a:t>
+            </a:r>
+            <a:r>
+              <a:rPr lang="en-US" dirty="0" err="1"/>
+              <a:t>Cyclistic</a:t>
+            </a:r>
+            <a:r>
+              <a:rPr lang="en-US" dirty="0"/>
+              <a:t> program and have chosen </a:t>
+            </a:r>
+            <a:r>
+              <a:rPr lang="en-US" dirty="0" err="1"/>
+              <a:t>Cyclistic</a:t>
+            </a:r>
+            <a:r>
+              <a:rPr lang="en-US" dirty="0"/>
+              <a:t> for their mobility needs.</a:t>
+            </a:r>
+          </a:p>
+        </p:txBody>
+      </p:sp>
+    </p:spTree>
+    <p:extLst>
+      <p:ext uri="{BB962C8B-B14F-4D97-AF65-F5344CB8AC3E}">
+        <p14:creationId xmlns:p14="http://schemas.microsoft.com/office/powerpoint/2010/main" val="2731424636"/>
+      </p:ext>
+    </p:extLst>
+  </p:cSld>
+  <p:clrMapOvr>
+    <a:masterClrMapping/>
+  </p:clrMapOvr>
+</p:sld>
+</file>
+
+<file path=ppt/slides/slide4.xml><?xml version="1.0" encoding="utf-8"?>
+<p:sld xmlns:a="http://schemas.openxmlformats.org/drawingml/2006/main" xmlns:r="http://schemas.openxmlformats.org/officeDocument/2006/relationships" xmlns:p="http://schemas.openxmlformats.org/presentationml/2006/main">
+  <p:cSld>
+    <p:spTree>
+      <p:nvGrpSpPr>
+        <p:cNvPr id="1" name=""/>
+        <p:cNvGrpSpPr/>
+        <p:nvPr/>
+      </p:nvGrpSpPr>
+      <p:grpSpPr>
+        <a:xfrm>
+          <a:off x="0" y="0"/>
+          <a:ext cx="0" cy="0"/>
+          <a:chOff x="0" y="0"/>
+          <a:chExt cx="0" cy="0"/>
+        </a:xfrm>
+      </p:grpSpPr>
+      <p:sp>
+        <p:nvSpPr>
+          <p:cNvPr id="2" name="Title 1">
+            <a:extLst>
+              <a:ext uri="{FF2B5EF4-FFF2-40B4-BE49-F238E27FC236}">
                 <a16:creationId xmlns:a16="http://schemas.microsoft.com/office/drawing/2014/main" id="{AF6E8676-C06D-48BA-172A-D474196AEC2C}"/>
               </a:ext>
             </a:extLst>
@@ -15108,7 +15729,7 @@
 </p:sld>
 </file>
 
-<file path=ppt/slides/slide4.xml><?xml version="1.0" encoding="utf-8"?>
+<file path=ppt/slides/slide5.xml><?xml version="1.0" encoding="utf-8"?>
 <p:sld xmlns:a="http://schemas.openxmlformats.org/drawingml/2006/main" xmlns:r="http://schemas.openxmlformats.org/officeDocument/2006/relationships" xmlns:p="http://schemas.openxmlformats.org/presentationml/2006/main">
   <p:cSld>
     <p:spTree>
@@ -15270,7 +15891,7 @@
 </p:sld>
 </file>
 
-<file path=ppt/slides/slide5.xml><?xml version="1.0" encoding="utf-8"?>
+<file path=ppt/slides/slide6.xml><?xml version="1.0" encoding="utf-8"?>
 <p:sld xmlns:a="http://schemas.openxmlformats.org/drawingml/2006/main" xmlns:r="http://schemas.openxmlformats.org/officeDocument/2006/relationships" xmlns:p="http://schemas.openxmlformats.org/presentationml/2006/main">
   <p:cSld>
     <p:spTree>
@@ -15365,20 +15986,26 @@
           <a:p>
             <a:r>
               <a:rPr lang="en-US" dirty="0">
-                <a:latin typeface="Garamond" panose="02020404030301010803" pitchFamily="18" charset="0"/>
+                <a:latin typeface="Calibri" panose="020F0502020204030204" pitchFamily="34" charset="0"/>
+                <a:ea typeface="Calibri" panose="020F0502020204030204" pitchFamily="34" charset="0"/>
+                <a:cs typeface="Calibri" panose="020F0502020204030204" pitchFamily="34" charset="0"/>
               </a:rPr>
               <a:t>$15/day for u</a:t>
             </a:r>
             <a:r>
               <a:rPr lang="en-US" i="0" dirty="0">
                 <a:effectLst/>
-                <a:latin typeface="Garamond" panose="02020404030301010803" pitchFamily="18" charset="0"/>
+                <a:latin typeface="Calibri" panose="020F0502020204030204" pitchFamily="34" charset="0"/>
+                <a:ea typeface="Calibri" panose="020F0502020204030204" pitchFamily="34" charset="0"/>
+                <a:cs typeface="Calibri" panose="020F0502020204030204" pitchFamily="34" charset="0"/>
               </a:rPr>
               <a:t>nlimited 3-hour rides in a 24-hour period</a:t>
             </a:r>
             <a:r>
               <a:rPr lang="en-US" dirty="0">
-                <a:latin typeface="Garamond" panose="02020404030301010803" pitchFamily="18" charset="0"/>
+                <a:latin typeface="Calibri" panose="020F0502020204030204" pitchFamily="34" charset="0"/>
+                <a:ea typeface="Calibri" panose="020F0502020204030204" pitchFamily="34" charset="0"/>
+                <a:cs typeface="Calibri" panose="020F0502020204030204" pitchFamily="34" charset="0"/>
               </a:rPr>
               <a:t> (casual rider)</a:t>
             </a:r>
@@ -15404,7 +16031,7 @@
 </p:sld>
 </file>
 
-<file path=ppt/slides/slide6.xml><?xml version="1.0" encoding="utf-8"?>
+<file path=ppt/slides/slide7.xml><?xml version="1.0" encoding="utf-8"?>
 <p:sld xmlns:a="http://schemas.openxmlformats.org/drawingml/2006/main" xmlns:r="http://schemas.openxmlformats.org/officeDocument/2006/relationships" xmlns:p="http://schemas.openxmlformats.org/presentationml/2006/main">
   <p:cSld>
     <p:spTree>
@@ -15485,7 +16112,7 @@
             </a:pPr>
             <a:r>
               <a:rPr lang="en-US" dirty="0"/>
-              <a:t>R Studio Desktop was used to process the data and Power BI was used to visualize the data for presentation</a:t>
+              <a:t>R Studio Desktop was used to process the data since it can handle large amounts of data efficiently, and Power BI was used to visualize the data for presentation since it is a new viz platform for me</a:t>
             </a:r>
           </a:p>
           <a:p>
@@ -15498,7 +16125,7 @@
             <a:pPr lvl="1"/>
             <a:r>
               <a:rPr lang="en-US" dirty="0"/>
-              <a:t>Trips missing a station name</a:t>
+              <a:t>Trips missing a station name or latitude/longitude</a:t>
             </a:r>
           </a:p>
           <a:p>
@@ -15514,10 +16141,28 @@
               <a:rPr lang="en-US" dirty="0"/>
               <a:t>Rides less than 60 seconds and more than 12 hours</a:t>
             </a:r>
+          </a:p>
+          <a:p>
+            <a:pPr marL="201168" lvl="1" indent="0">
+              <a:buNone/>
+            </a:pPr>
+            <a:r>
+              <a:rPr lang="en-US" sz="2000" dirty="0"/>
+              <a:t>Several columns were created with new variables to create new measures to compare for visuals</a:t>
+            </a:r>
+          </a:p>
+          <a:p>
+            <a:pPr marL="201168" lvl="1" indent="0">
+              <a:buNone/>
+            </a:pPr>
+            <a:r>
+              <a:rPr lang="en-US" sz="2000" dirty="0"/>
+              <a:t>Further data transformation occurred in Power BI to create different figures and visuals</a:t>
+            </a:r>
             <a:br>
-              <a:rPr lang="en-US" dirty="0"/>
+              <a:rPr lang="en-US" sz="2000" dirty="0"/>
             </a:br>
-            <a:endParaRPr lang="en-US" dirty="0"/>
+            <a:endParaRPr lang="en-US" sz="2000" dirty="0"/>
           </a:p>
           <a:p>
             <a:r>
@@ -15616,7 +16261,7 @@
 </p:sld>
 </file>
 
-<file path=ppt/slides/slide7.xml><?xml version="1.0" encoding="utf-8"?>
+<file path=ppt/slides/slide8.xml><?xml version="1.0" encoding="utf-8"?>
 <p:sld xmlns:a="http://schemas.openxmlformats.org/drawingml/2006/main" xmlns:r="http://schemas.openxmlformats.org/officeDocument/2006/relationships" xmlns:p="http://schemas.openxmlformats.org/presentationml/2006/main">
   <p:cSld>
     <p:spTree>
@@ -15656,7 +16301,7 @@
           <a:p>
             <a:r>
               <a:rPr lang="en-US" dirty="0"/>
-              <a:t>Notable insights/findings:</a:t>
+              <a:t>Dashboard Summary</a:t>
             </a:r>
           </a:p>
         </p:txBody>
@@ -15686,37 +16331,49 @@
           <a:p>
             <a:r>
               <a:rPr lang="en-US" dirty="0"/>
-              <a:t>4,332,097 total rides were taken between 12/2021 - 11/2022</a:t>
-            </a:r>
-          </a:p>
-          <a:p>
+              <a:t>Members have been compared to casual riders against:</a:t>
+            </a:r>
+          </a:p>
+          <a:p>
+            <a:pPr lvl="1"/>
             <a:r>
               <a:rPr lang="en-US" dirty="0"/>
-              <a:t>Members took 60% of all rides</a:t>
-            </a:r>
-          </a:p>
-          <a:p>
+              <a:t>Total trips taken</a:t>
+            </a:r>
+          </a:p>
+          <a:p>
+            <a:pPr lvl="1"/>
             <a:r>
               <a:rPr lang="en-US" dirty="0"/>
-              <a:t>Between 80,000 – 630,000 rides were taken monthly, with summer months being the most popular (May – September)</a:t>
-            </a:r>
-          </a:p>
-          <a:p>
+              <a:t>Ride time in total hours</a:t>
+            </a:r>
+          </a:p>
+          <a:p>
+            <a:pPr lvl="1"/>
             <a:r>
               <a:rPr lang="en-US" dirty="0"/>
-              <a:t>Wednesday is the most popular day for members and Saturday is the most popular day for casual riders</a:t>
-            </a:r>
-          </a:p>
-          <a:p>
+              <a:t>Average ride time per trip</a:t>
+            </a:r>
+          </a:p>
+          <a:p>
+            <a:pPr lvl="1"/>
             <a:r>
               <a:rPr lang="en-US" dirty="0"/>
-              <a:t>Saturday is the most popular day overall (16.1% of all rides taken) and Monday is the least popular day overall (13.4% of all rides taken)</a:t>
-            </a:r>
-          </a:p>
-          <a:p>
+              <a:t>Length of rides less than 2 hours (to limit right tail of the visual)</a:t>
+            </a:r>
+          </a:p>
+          <a:p>
+            <a:pPr lvl="1"/>
             <a:r>
               <a:rPr lang="en-US" dirty="0"/>
-              <a:t>Casual riders take longer rides by time (23.3 min avg ride), members take shorter rides (12.5 min avg ride) and are more consistent users</a:t>
+              <a:t>Trips taken by the day of the week (descending in popularity)</a:t>
+            </a:r>
+          </a:p>
+          <a:p>
+            <a:pPr lvl="1"/>
+            <a:r>
+              <a:rPr lang="en-US" dirty="0"/>
+              <a:t>Trips taken by month</a:t>
             </a:r>
           </a:p>
         </p:txBody>
@@ -15725,147 +16382,6 @@
     <p:extLst>
       <p:ext uri="{BB962C8B-B14F-4D97-AF65-F5344CB8AC3E}">
         <p14:creationId xmlns:p14="http://schemas.microsoft.com/office/powerpoint/2010/main" val="1907392536"/>
-      </p:ext>
-    </p:extLst>
-  </p:cSld>
-  <p:clrMapOvr>
-    <a:masterClrMapping/>
-  </p:clrMapOvr>
-</p:sld>
-</file>
-
-<file path=ppt/slides/slide8.xml><?xml version="1.0" encoding="utf-8"?>
-<p:sld xmlns:a="http://schemas.openxmlformats.org/drawingml/2006/main" xmlns:r="http://schemas.openxmlformats.org/officeDocument/2006/relationships" xmlns:p="http://schemas.openxmlformats.org/presentationml/2006/main">
-  <p:cSld>
-    <p:spTree>
-      <p:nvGrpSpPr>
-        <p:cNvPr id="1" name=""/>
-        <p:cNvGrpSpPr/>
-        <p:nvPr/>
-      </p:nvGrpSpPr>
-      <p:grpSpPr>
-        <a:xfrm>
-          <a:off x="0" y="0"/>
-          <a:ext cx="0" cy="0"/>
-          <a:chOff x="0" y="0"/>
-          <a:chExt cx="0" cy="0"/>
-        </a:xfrm>
-      </p:grpSpPr>
-      <p:sp>
-        <p:nvSpPr>
-          <p:cNvPr id="3" name="Content Placeholder 2">
-            <a:extLst>
-              <a:ext uri="{FF2B5EF4-FFF2-40B4-BE49-F238E27FC236}">
-                <a16:creationId xmlns:a16="http://schemas.microsoft.com/office/drawing/2014/main" id="{2DC803DE-6AA3-748A-3CF1-F53A0BFAA7C2}"/>
-              </a:ext>
-            </a:extLst>
-          </p:cNvPr>
-          <p:cNvSpPr>
-            <a:spLocks noGrp="1"/>
-          </p:cNvSpPr>
-          <p:nvPr>
-            <p:ph idx="1"/>
-          </p:nvPr>
-        </p:nvSpPr>
-        <p:spPr>
-          <a:xfrm>
-            <a:off x="838200" y="3937517"/>
-            <a:ext cx="10515600" cy="2239445"/>
-          </a:xfrm>
-        </p:spPr>
-        <p:txBody>
-          <a:bodyPr/>
-          <a:lstStyle/>
-          <a:p>
-            <a:pPr marL="0" indent="0" algn="r">
-              <a:buNone/>
-            </a:pPr>
-            <a:r>
-              <a:rPr lang="en-US" dirty="0"/>
-              <a:t>Jesse Richardville</a:t>
-            </a:r>
-          </a:p>
-          <a:p>
-            <a:pPr marL="0" indent="0" algn="r">
-              <a:buNone/>
-            </a:pPr>
-            <a:r>
-              <a:rPr lang="en-US" dirty="0"/>
-              <a:t>1/5/2023</a:t>
-            </a:r>
-          </a:p>
-        </p:txBody>
-      </p:sp>
-      <mc:AlternateContent xmlns:mc="http://schemas.openxmlformats.org/markup-compatibility/2006" xmlns:we="http://schemas.microsoft.com/office/webextensions/webextension/2010/11" xmlns:pca="http://schemas.microsoft.com/office/powerpoint/2013/contentapp">
-        <mc:Choice Requires="we pca">
-          <p:graphicFrame>
-            <p:nvGraphicFramePr>
-              <p:cNvPr id="7" name="Add-in 6" title="Web Viewer">
-                <a:extLst>
-                  <a:ext uri="{FF2B5EF4-FFF2-40B4-BE49-F238E27FC236}">
-                    <a16:creationId xmlns:a16="http://schemas.microsoft.com/office/drawing/2014/main" id="{546DAEFF-7A43-9CDD-6869-BF8C340D5795}"/>
-                  </a:ext>
-                </a:extLst>
-              </p:cNvPr>
-              <p:cNvGraphicFramePr>
-                <a:graphicFrameLocks noGrp="1"/>
-              </p:cNvGraphicFramePr>
-              <p:nvPr>
-                <p:extLst>
-                  <p:ext uri="{D42A27DB-BD31-4B8C-83A1-F6EECF244321}">
-                    <p14:modId xmlns:p14="http://schemas.microsoft.com/office/powerpoint/2010/main" val="75182084"/>
-                  </p:ext>
-                </p:extLst>
-              </p:nvPr>
-            </p:nvGraphicFramePr>
-            <p:xfrm>
-              <a:off x="513182" y="214604"/>
-              <a:ext cx="11131421" cy="5962358"/>
-            </p:xfrm>
-            <a:graphic>
-              <a:graphicData uri="http://schemas.microsoft.com/office/webextensions/webextension/2010/11">
-                <we:webextensionref xmlns:we="http://schemas.microsoft.com/office/webextensions/webextension/2010/11" xmlns:r="http://schemas.openxmlformats.org/officeDocument/2006/relationships" r:id="rId2"/>
-              </a:graphicData>
-            </a:graphic>
-          </p:graphicFrame>
-        </mc:Choice>
-        <mc:Fallback xmlns="">
-          <p:pic>
-            <p:nvPicPr>
-              <p:cNvPr id="7" name="Add-in 6" title="Web Viewer">
-                <a:extLst>
-                  <a:ext uri="{FF2B5EF4-FFF2-40B4-BE49-F238E27FC236}">
-                    <a16:creationId xmlns:a16="http://schemas.microsoft.com/office/drawing/2014/main" id="{546DAEFF-7A43-9CDD-6869-BF8C340D5795}"/>
-                  </a:ext>
-                </a:extLst>
-              </p:cNvPr>
-              <p:cNvPicPr>
-                <a:picLocks noGrp="1" noRot="1" noChangeAspect="1" noMove="1" noResize="1" noEditPoints="1" noAdjustHandles="1" noChangeArrowheads="1" noChangeShapeType="1"/>
-              </p:cNvPicPr>
-              <p:nvPr/>
-            </p:nvPicPr>
-            <p:blipFill>
-              <a:blip r:embed="rId3"/>
-              <a:stretch>
-                <a:fillRect/>
-              </a:stretch>
-            </p:blipFill>
-            <p:spPr>
-              <a:xfrm>
-                <a:off x="513182" y="214604"/>
-                <a:ext cx="11131421" cy="5962358"/>
-              </a:xfrm>
-              <a:prstGeom prst="rect">
-                <a:avLst/>
-              </a:prstGeom>
-            </p:spPr>
-          </p:pic>
-        </mc:Fallback>
-      </mc:AlternateContent>
-    </p:spTree>
-    <p:extLst>
-      <p:ext uri="{BB962C8B-B14F-4D97-AF65-F5344CB8AC3E}">
-        <p14:creationId xmlns:p14="http://schemas.microsoft.com/office/powerpoint/2010/main" val="868210328"/>
       </p:ext>
     </p:extLst>
   </p:cSld>
@@ -15945,44 +16461,45 @@
           <a:p>
             <a:r>
               <a:rPr lang="en-US" dirty="0"/>
-              <a:t>The top 100 start stations are represented in the tree map</a:t>
-            </a:r>
-          </a:p>
-          <a:p>
-            <a:pPr lvl="1"/>
+              <a:t>4,332,097 total rides were taken between 12/2021 - 11/2022</a:t>
+            </a:r>
+          </a:p>
+          <a:p>
             <a:r>
               <a:rPr lang="en-US" dirty="0"/>
-              <a:t>Streeter Dr and Grand Ave was the most popular station for casual riders (54,575 trips), which is close to the lakefront and Navy Pier</a:t>
-            </a:r>
-          </a:p>
-          <a:p>
-            <a:pPr lvl="1"/>
+              <a:t>Members took 60% of all rides</a:t>
+            </a:r>
+          </a:p>
+          <a:p>
             <a:r>
               <a:rPr lang="en-US" dirty="0"/>
-              <a:t>Kingsbury St and Kinzie St was the most popular station for members (23,581 trips), which is close to downtown offices/buildings</a:t>
+              <a:t>Between 80,000 – 630,000 rides were taken monthly, with summer months being the most popular (May – September) for both rider types</a:t>
             </a:r>
           </a:p>
           <a:p>
             <a:r>
               <a:rPr lang="en-US" dirty="0"/>
-              <a:t>The heatmap shows the location of the stations when clicked on in the tree map (viewable via Power BI with an account)</a:t>
+              <a:t>Wednesday is the most popular day for members and Saturday is the most popular day for casual riders</a:t>
             </a:r>
           </a:p>
           <a:p>
             <a:r>
               <a:rPr lang="en-US" dirty="0"/>
-              <a:t>Member riders do not use docked bikes</a:t>
-            </a:r>
-          </a:p>
-          <a:p>
-            <a:endParaRPr lang="en-US" dirty="0"/>
+              <a:t>Saturday is the most popular day overall (16.1% of all rides taken) and Monday is the least popular day overall (13.4% of all rides taken)</a:t>
+            </a:r>
+          </a:p>
+          <a:p>
+            <a:r>
+              <a:rPr lang="en-US" dirty="0"/>
+              <a:t>Casual riders take longer rides by time (23.3 min avg ride), members take shorter rides (12.5 min avg ride) and are more consistent users</a:t>
+            </a:r>
           </a:p>
         </p:txBody>
       </p:sp>
     </p:spTree>
     <p:extLst>
       <p:ext uri="{BB962C8B-B14F-4D97-AF65-F5344CB8AC3E}">
-        <p14:creationId xmlns:p14="http://schemas.microsoft.com/office/powerpoint/2010/main" val="1716957106"/>
+        <p14:creationId xmlns:p14="http://schemas.microsoft.com/office/powerpoint/2010/main" val="3716941349"/>
       </p:ext>
     </p:extLst>
   </p:cSld>
@@ -16282,6 +16799,34 @@
 </file>
 
 <file path=ppt/webextensions/webextension1.xml><?xml version="1.0" encoding="utf-8"?>
+<we:webextension xmlns:we="http://schemas.microsoft.com/office/webextensions/webextension/2010/11" id="{EEC73A23-E6E1-48A3-B3B3-F5713EF678FB}">
+  <we:reference id="wa104295828" version="1.9.0.0" store="en-US" storeType="OMEX"/>
+  <we:alternateReferences>
+    <we:reference id="WA104295828" version="1.9.0.0" store="WA104295828" storeType="OMEX"/>
+  </we:alternateReferences>
+  <we:properties>
+    <we:property name="__labs__" value="{&quot;configuration&quot;:{&quot;appVersion&quot;:{&quot;major&quot;:1,&quot;minor&quot;:0},&quot;components&quot;:[{&quot;type&quot;:&quot;Labs.Components.ActivityComponent&quot;,&quot;name&quot;:&quot;www.wikipedia.org&quot;,&quot;values&quot;:{},&quot;data&quot;:{&quot;uri&quot;:&quot;www.wikipedia.org&quot;},&quot;secure&quot;:false}],&quot;name&quot;:&quot;www.wikipedia.org&quot;,&quot;timeline&quot;:null,&quot;analytics&quot;:null},&quot;hostVersion&quot;:{&quot;major&quot;:0,&quot;minor&quot;:1}}"/>
+  </we:properties>
+  <we:bindings/>
+  <we:snapshot xmlns:r="http://schemas.openxmlformats.org/officeDocument/2006/relationships" r:embed="rId1"/>
+</we:webextension>
+</file>
+
+<file path=ppt/webextensions/webextension2.xml><?xml version="1.0" encoding="utf-8"?>
+<we:webextension xmlns:we="http://schemas.microsoft.com/office/webextensions/webextension/2010/11" id="{BE1B7DE0-7DAB-4679-A283-4D05829C2589}">
+  <we:reference id="wa104379699" version="1.0.0.1" store="en-US" storeType="OMEX"/>
+  <we:alternateReferences>
+    <we:reference id="WA104379699" version="1.0.0.1" store="WA104379699" storeType="OMEX"/>
+  </we:alternateReferences>
+  <we:properties>
+    <we:property name="savedState" value="{&quot;groupId&quot;:&quot;&quot;,&quot;dashboardId&quot;:null,&quot;dashboardTileId&quot;:null,&quot;dashboardTileFilter&quot;:null,&quot;reportId&quot;:&quot;bfcc4129-2a52-4557-aaad-03f697a8905d&quot;,&quot;pageName&quot;:&quot;ReportSection&quot;,&quot;publicReportUrl&quot;:null,&quot;lastState&quot;:&quot;app.embed.report&quot;,&quot;ReportBookmark&quot;:&quot;&quot;,&quot;ReportFilter&quot;:&quot;&quot;,&quot;ReportPageFilter&quot;:&quot;&quot;,&quot;ReportSlicers&quot;:&quot;&quot;,&quot;fromLogin&quot;:false,&quot;appVersion&quot;:&quot;1.0&quot;,&quot;savedDate&quot;:&quot;2023-01-18T18:45:53.648Z&quot;}"/>
+  </we:properties>
+  <we:bindings/>
+  <we:snapshot xmlns:r="http://schemas.openxmlformats.org/officeDocument/2006/relationships" r:embed="rId1"/>
+</we:webextension>
+</file>
+
+<file path=ppt/webextensions/webextension3.xml><?xml version="1.0" encoding="utf-8"?>
 <we:webextension xmlns:we="http://schemas.microsoft.com/office/webextensions/webextension/2010/11" id="{A707E550-923B-4077-9168-C6341B10621D}">
   <we:reference id="wa104295828" version="1.9.0.0" store="en-US" storeType="OMEX"/>
   <we:alternateReferences>
@@ -16295,7 +16840,7 @@
 </we:webextension>
 </file>
 
-<file path=ppt/webextensions/webextension2.xml><?xml version="1.0" encoding="utf-8"?>
+<file path=ppt/webextensions/webextension4.xml><?xml version="1.0" encoding="utf-8"?>
 <we:webextension xmlns:we="http://schemas.microsoft.com/office/webextensions/webextension/2010/11" id="{D8251B74-4BCA-4D88-8B0E-B5732B8675A1}">
   <we:reference id="wa200003233" version="2.0.0.3" store="en-US" storeType="OMEX"/>
   <we:alternateReferences>
@@ -16303,7 +16848,7 @@
   </we:alternateReferences>
   <we:properties>
     <we:property name="backgroundColor" value="&quot;rgb(255,255,255)&quot;"/>
-    <we:property name="bookmark" value="&quot;H4sIAAAAAAAAA91YXVPbOhD9K4yfPR1/2+KtpNCH0nsZ6KUPHYaRpZWjYlseWaakTP77XcmGNqR8TJoW2jxkopW0PntWe1bOtcdl39V08Q9twNv19pS6aKi+2Ak932tXbVkSxnkSBhEJIs7zKC5pgKtUZ6Rqe2/32jNUV2BOZT/Q2jpE46cz36N1fUQrOxK07sH3OtC9amktv8K4GKeMHmDpe3DV1UpT6/LEUAPW7SUuxzFCCV/F+ETKjLyEE2BmtB5Dp7SZxowVIU8gyQgpkizPojIucU8/zjqYj6+3D3XAZqo1VLYIwNpYEsdRUhY5FIxkLM/iMrJ2IWszLSkX+1edxriRjUVn6XvNL2nLgHsuOA39GMu19x5oP2gX4f7KxIkaNINjEG6qNdIs0A+yeM6pod4SaTrSCkl09gaaEvSOltxCsJNz9WWmAcnj3m6w9H8bEkYtZU9BMkNTpbRktF4DM1P10LQ/i2VPXsDOB/u0jRh5XVUaKmqm4f4vR3gwtNNxTjcDrKWZN2Aks6NDEOYlhHEsq7kDcsJwA9+/xHyvPe+5QTpsVqns4F/cQo3CCo7X83CGll62VT3J1jed+DCmh9VDj0oAfIQ9m1NtrESWn1FsrD6gA6WxPPYWTiLeSH2jYpF/J8JfJA/LsxsBxUWfv1PFqSZHYNunHdnFSSGiVOQhto4oSaMcmAjhfgWdGtCBmySEpQEUKcnKlHBREBYT5Ha9MEZf1tXpTeNAcg+0apzTqdNRXLkegO+NmQwsTR/nYPl3dLRcmtsj2XRUy/7u6J1s8ZSE/m31PS2D48AhelTZb+vpUGKI4wE8pfVgt6dBEBzaBC/dOX2uXrOSszwvsihOw5KxsEhpwmmQ/N05W++Bz52zJ3TllZxBWYRAklwQDmVOSBZgifq/r3P3eIs05/htc3fuoL3UFv5fj8Xw57fwB8N4KS38QZBbbOFGAzS0e+aufbdo7+3ab7Uaui227B9W39i7MxKJUECRsTBMRcHzXLi3n4fphCtTqqtVOq03CDkRJE1JzEUcRVGRJvxRb9QFvjcYg7GtucxiEpQiJZAFAb6asZKkbPPXs23yWVOzmYhtFURb/XFK+oMKfhmA73ujiDaQnDW5cZ/vLXjx0pUTFTWYvqMMjmg7XnO6EZMEtw55oC0HPv3W99w73P8wN/cO/PwPoIPXfwcSAAA=&quot;"/>
+    <we:property name="bookmark" value="&quot;H4sIAAAAAAAAA91Y227bOBD9lUDPQqG7xLwlbtKHze4GSZt9WAQBLyOZjSQKFJWNN/C/d0gpaR3nBtdt0vrBMIfU8MwZzhnKN56QfVfTxV+0AW/X21fqsqH6cif0fK9dtRUB4wKyNGdRHAZJQAoe4CrVGana3tu98QzVFZgz2Q+0tg7R+K+XxSRgZUogC4IsZpyRlHvnvkfr+phWdk1J6x58rwPdq5bW8n8YXeCU0QMsfQ+uu1ppajc6NdSA3ewKl+MYAYbvYsRBuZFXcArcjNYT6JQ205jzIhQJJBkhRZLlWcRihs/046wD//x6u6kDNlOtobJFANbGkziOElbkUHCS8RyDjKy9lLWZlrDFwXWnkQ3kaNFZUvfEFW05CM8Fp6EfY7nx/gTaD9pFeLAycaoGzeEESjfVGmkW6AdZvBDUUG+JNB1rhSQ6ewMNA72jpbAQ7ORc/TfTgOQJbzdY+j8NCaeWspcgmaGpUlpyWq+Bmal6aNrvxbIvL2Hno91tI0b2qkpDRc00PPjhCA+HdjrO6WaAtTTzBozkdnQEpXkLYZzIau6AnHJ8QBxcYb7X9nttkA4bVuy5HfyNj1CjsILj9Tyco6WXbVVPsvVVJz6O6eH10KMSgBhhz+ZUGyuc7DOKjdUHdKA0lsf+wknEe6lvVSzy70X4g+RheX4roLjo8zeqONXkCGz7tCO7OFmWUVrmYcxolKRRDrwM4XEFndrSoZskhKcBFCnJWEpEWRAeE+R2vTBGX9bV2W3jQHIPtWqc06n/UVy5HoDvjZkMLE3/zMHy7+hohTR3R7LpqJb9/dEfssVTEvp31feyDI4Dh+hZZb+rpyOJIY4H8IzWg308DYLgyCZ46c7pa/WalZzleZFFcRoyzsMipYmgQfJ752y9B752zl7QlVdyBqwIgSR5SQSwnJAswBL1f17n7vFuaS7w2+buwkF7qy38U4/F8Ou38CfDeCst/EmQW2zhRgM0tHvlrn2/aB/t2h+0GrottuwHq2/s3RmJyrCEIuNhmJaFyPPSvf08TSdcG6auV+m03iAUpCRpSmJRxlEUFWkinvVGXeD7gzEY25rLB98/N3492yafNTWbidhWQbTVL6ekD1Tw2wD82BtFtIHkrMmN+3xrwYuXrpyoqMH0HeVwTNvxmtONmCS4dcgDbQWI6bd+5N5h/2y5vXbg5wswSiMzHBIAAA==&quot;"/>
     <we:property name="creatorSessionId" value="&quot;8e7875b6-8e0e-4f0f-a8c1-f5f4fdd04e97&quot;"/>
     <we:property name="creatorTenantId" value="&quot;dd9514d9-0843-4d4f-8158-06bf09d7ea7c&quot;"/>
     <we:property name="creatorUserId" value="&quot;1003200263095812&quot;"/>
@@ -16323,7 +16868,7 @@
 </we:webextension>
 </file>
 
-<file path=ppt/webextensions/webextension3.xml><?xml version="1.0" encoding="utf-8"?>
+<file path=ppt/webextensions/webextension5.xml><?xml version="1.0" encoding="utf-8"?>
 <we:webextension xmlns:we="http://schemas.microsoft.com/office/webextensions/webextension/2010/11" id="{5218FDB6-48B1-4BB8-8CF6-60CBD51DA42C}">
   <we:reference id="wa200003233" version="2.0.0.3" store="en-US" storeType="OMEX"/>
   <we:alternateReferences>
@@ -16351,7 +16896,7 @@
 </we:webextension>
 </file>
 
-<file path=ppt/webextensions/webextension4.xml><?xml version="1.0" encoding="utf-8"?>
+<file path=ppt/webextensions/webextension6.xml><?xml version="1.0" encoding="utf-8"?>
 <we:webextension xmlns:we="http://schemas.microsoft.com/office/webextensions/webextension/2010/11" id="{A57B0849-2C79-4C72-95F6-3EFCDB2CC97A}">
   <we:reference id="wa200003233" version="2.0.0.3" store="en-US" storeType="OMEX"/>
   <we:alternateReferences>
@@ -16379,7 +16924,7 @@
 </we:webextension>
 </file>
 
-<file path=ppt/webextensions/webextension5.xml><?xml version="1.0" encoding="utf-8"?>
+<file path=ppt/webextensions/webextension7.xml><?xml version="1.0" encoding="utf-8"?>
 <we:webextension xmlns:we="http://schemas.microsoft.com/office/webextensions/webextension/2010/11" id="{09178585-2084-4F02-922F-1C6C62AF45F4}">
   <we:reference id="wa200003233" version="2.0.0.3" store="en-US" storeType="OMEX"/>
   <we:alternateReferences>
@@ -16387,7 +16932,7 @@
   </we:alternateReferences>
   <we:properties>
     <we:property name="backgroundColor" value="&quot;rgb(255,255,255)&quot;"/>
-    <we:property name="bookmark" value="&quot;H4sIAAAAAAAAA+1YUU/bQAz+K1Weqylp2kvDGxSmPYwNtYyXCU3OnZMeTXPR5dLRof73+S4FRmFQoJRK21vtc2zf58920itPyKrMYf4FpujteQdKTaagJ63Aa3vFXV2HiTDqB34c+CD6LO4zv0dWqjRSFZW3d+UZ0BmaM1nVkFuHpPx+3vYgz08gs1IKeYVtr0RdqQJy+QsbYzoyusZF28PLMlcarMuRAYPW7YzMSaZUgg8hRQRu5AxHyE2jHWKptFnKYYz9boxRkiQ+dDiEAEDPVM2pS/NpexvUJTZQhQFZUAJW1xUQduIowQDSVDDmpyyw+koWWb68yu2zp/PSwldxMAb1YAzaWLiSCwps3S0WdN+Asy5ngR/6rONHmHAIhHWRytwsoybzo8tSE5QEcONyQMBkSktO4RxkGqsGoStvoPJ66n4d3dGPVK05DjF1R4WRZk6eqDQ/BBjwbC4nWlFlnP5UHTrVWP0caKRwlJS/aN9ksC9mUHDSroY/Rqhqja+NP8VpgrqlpbAg3M/knDSPop5T0YhAfIKiQWSgpol6oAgkaApyMHcAH0p9TaugvXKDTSK7OL+mMR1d/MHNZWmbbDYZ8dzRjfms240iZEEn8NPIZ1Hyn257HgdLnVfQjed1RQDekO1f5xlP436a9CKWiDgVQccPofckz/5a5X0tzXiKRnIrfcbUvOmoGcps7CKMOFmJo1lT8KPtDDoX1C5OK3wlOzCKYApXWRms0x9vitz9rtkmcvejbxS5zfTEIcx3eo/uzohdh8xZpjEDsxTfYmp+qwgtN9Ptwce6WA7p3ssSfrD73vsaazXpeye5bi+vs5ufvZI7qyv5jbpxm9u5mUTNdo5TBp1+gnGYhsD69P0T8h14CzyQE7wlxLO7bTNJHNMX33hn59OQqNM6lVNsyaL1iR6tVprHf0GDANm+qj125OLbbKdrmjQNhSCCXowsDkVXxDxBP92Fz6pXNtQWyno3w0f37ZM0LiXuOosfua5jktXe5k77Qmdu6ajaVCVwPIEC3T3KxqdEZ0dlg0KgWP7W7m1DEvMalM4gry1A7t83z4VxwX4DtO2Na/0TAAA=&quot;"/>
+    <we:property name="bookmark" value="&quot;H4sIAAAAAAAAA+1YTVPbMBD9KxmfMx1/xYm5QaDTQ2kZoFw6mc5KWjsCx/LIMm3K5L93JQcogUKAJKTT3qLVWm/19u2unStPyLoqYPoJJujteHtKXUxAX3QCr+uVd20+A4ZpjAOM4zD2Q8aSlLxUZaQqa2/nyjOgczRnsm6gsAeS8auHIIJeikkaiViknKGfCW/U9aAojiC3PhkUNXa9CnWtSijkT2yPoC2jG5x1PfxRFUqDBToxYNCCXZI7rSnA4F1EcQA38hJPkJvWeoyV0ma+jlIcxCn2GWM+hBwiAKBn6nbXBf+0vwV1gQ1VaUCWFIC1xQKiMO0zDCDLRJL4WRJYey3LvJhf5fbZ02llSa05GIN6OAZtLInsnIDtcbMZ3TfgScyTwI/8JPT7yDgEwh6RycLMUdn04EeliWCivT1ySMTkSktOcI4yjXXL0JU3VEUzcb8O7thPVKM5HmPmtkojzZROotR8E2DAs7EcaUWZcfZTte9MY/V9qJHgKCh/1r2JYFdcQsnJugh/iFA3Gl+LP8EJQ93RUlgS7kcyIsujrBeUNBIQv0DRMjJUE6YeSAItNIHsTR3B+1JfyyroLtxglczORtcypq3z37Q5T20bzSoRR05uiZ/Ecb+PSRAGftb3kz77L7cdj4OVzivkxoumJgJvxPav64xn6SBjvX7CRJqJIPQj6D2psz9meVdLM56gkdyuPmJm1tpqjmU+dggnnLzEwWWb8IPNNDoHSrSM7OIz+YFRRFO0qMpgmfpYK3P3q2aTzN1HXylzq6mJfZhu9Rzdnha7jJjzXGMOZr5cR9f8UhNbrqfbjfdNOW/SvZcF/GD1vfU1lirStw5y2VpeZjY/eySHiyN5TdW4yencdqJ2OqdZAuGAPvGiLIJkQN8/Ed+Ct8A9eYG3gnh2ta0miEP64htvbX86Jul0TuUEO7LsfKBH64Xi8V9QIEC+ryqPLbn4JsvpWiZtQT34z8dfX1AbSOvdCB+dt0/KuJK47Sp+5LpOSdZ6GzvNC527oaMaU1fA8QhKdPeo2jMlOj9KG5QCxfy3dm8bkpTXsnQGRWMJsn+xeQ7FYf0Cxa2VixIUAAA=&quot;"/>
     <we:property name="creatorSessionId" value="&quot;8e369085-af02-42d2-9074-4032e936fdbc&quot;"/>
     <we:property name="creatorTenantId" value="&quot;dd9514d9-0843-4d4f-8158-06bf09d7ea7c&quot;"/>
     <we:property name="creatorUserId" value="&quot;1003200263095812&quot;"/>
@@ -16408,12 +16953,6 @@
 </file>
 
 <file path=customXml/item1.xml><?xml version="1.0" encoding="utf-8"?>
-<p:properties xmlns:p="http://schemas.microsoft.com/office/2006/metadata/properties" xmlns:xsi="http://www.w3.org/2001/XMLSchema-instance" xmlns:pc="http://schemas.microsoft.com/office/infopath/2007/PartnerControls">
-  <documentManagement/>
-</p:properties>
-</file>
-
-<file path=customXml/item2.xml><?xml version="1.0" encoding="utf-8"?>
 <?mso-contentType ?>
 <FormTemplates xmlns="http://schemas.microsoft.com/sharepoint/v3/contenttype/forms">
   <Display>DocumentLibraryForm</Display>
@@ -16422,10 +16961,20 @@
 </FormTemplates>
 </file>
 
+<file path=customXml/item2.xml><?xml version="1.0" encoding="utf-8"?>
+<p:properties xmlns:p="http://schemas.microsoft.com/office/2006/metadata/properties" xmlns:xsi="http://www.w3.org/2001/XMLSchema-instance" xmlns:pc="http://schemas.microsoft.com/office/infopath/2007/PartnerControls">
+  <documentManagement>
+    <Document_x0020_Purpose xmlns="f577acbf-5b0b-4b4f-9948-268e97f8d3a4">Informational</Document_x0020_Purpose>
+    <Initiatives xmlns="f577acbf-5b0b-4b4f-9948-268e97f8d3a4"/>
+  </documentManagement>
+</p:properties>
+</file>
+
 <file path=customXml/item3.xml><?xml version="1.0" encoding="utf-8"?>
-<ct:contentTypeSchema xmlns:ct="http://schemas.microsoft.com/office/2006/metadata/contentType" xmlns:ma="http://schemas.microsoft.com/office/2006/metadata/properties/metaAttributes" ct:_="" ma:_="" ma:contentTypeName="Document" ma:contentTypeID="0x01010044EBF1A8D4BBA9478E74E2566430B813" ma:contentTypeVersion="2" ma:contentTypeDescription="Create a new document." ma:contentTypeScope="" ma:versionID="379ef02711aaba107f26808808a8a4d7">
-  <xsd:schema xmlns:xsd="http://www.w3.org/2001/XMLSchema" xmlns:xs="http://www.w3.org/2001/XMLSchema" xmlns:p="http://schemas.microsoft.com/office/2006/metadata/properties" xmlns:ns2="1b62386d-33d0-4b59-bb71-91882663d621" targetNamespace="http://schemas.microsoft.com/office/2006/metadata/properties" ma:root="true" ma:fieldsID="03d1908fdd6d479bb00ef396ca022abb" ns2:_="">
-    <xsd:import namespace="1b62386d-33d0-4b59-bb71-91882663d621"/>
+<ct:contentTypeSchema xmlns:ct="http://schemas.microsoft.com/office/2006/metadata/contentType" xmlns:ma="http://schemas.microsoft.com/office/2006/metadata/properties/metaAttributes" ct:_="" ma:_="" ma:contentTypeName="Document" ma:contentTypeID="0x010100CD401524DC532D42A0E0ED886331A72B" ma:contentTypeVersion="15" ma:contentTypeDescription="Create a new document." ma:contentTypeScope="" ma:versionID="aba17d7263e5a17e1efe42a3571abb41">
+  <xsd:schema xmlns:xsd="http://www.w3.org/2001/XMLSchema" xmlns:xs="http://www.w3.org/2001/XMLSchema" xmlns:p="http://schemas.microsoft.com/office/2006/metadata/properties" xmlns:ns2="f577acbf-5b0b-4b4f-9948-268e97f8d3a4" xmlns:ns3="b1e4d6ee-9f6f-43f8-a618-24f3d84da28f" targetNamespace="http://schemas.microsoft.com/office/2006/metadata/properties" ma:root="true" ma:fieldsID="e4e3c9c8ed1c3d723d02c9f1cb24d19a" ns2:_="" ns3:_="">
+    <xsd:import namespace="f577acbf-5b0b-4b4f-9948-268e97f8d3a4"/>
+    <xsd:import namespace="b1e4d6ee-9f6f-43f8-a618-24f3d84da28f"/>
     <xsd:element name="properties">
       <xsd:complexType>
         <xsd:sequence>
@@ -16434,6 +16983,18 @@
               <xsd:all>
                 <xsd:element ref="ns2:MediaServiceMetadata" minOccurs="0"/>
                 <xsd:element ref="ns2:MediaServiceFastMetadata" minOccurs="0"/>
+                <xsd:element ref="ns3:SharedWithUsers" minOccurs="0"/>
+                <xsd:element ref="ns3:SharedWithDetails" minOccurs="0"/>
+                <xsd:element ref="ns3:LastSharedByUser" minOccurs="0"/>
+                <xsd:element ref="ns3:LastSharedByTime" minOccurs="0"/>
+                <xsd:element ref="ns2:Document_x0020_Purpose" minOccurs="0"/>
+                <xsd:element ref="ns2:Initiatives" minOccurs="0"/>
+                <xsd:element ref="ns2:MediaServiceDateTaken" minOccurs="0"/>
+                <xsd:element ref="ns2:MediaServiceAutoTags" minOccurs="0"/>
+                <xsd:element ref="ns2:MediaServiceOCR" minOccurs="0"/>
+                <xsd:element ref="ns2:MediaServiceLocation" minOccurs="0"/>
+                <xsd:element ref="ns2:MediaServiceEventHashCode" minOccurs="0"/>
+                <xsd:element ref="ns2:MediaServiceGenerationTime" minOccurs="0"/>
               </xsd:all>
             </xsd:complexType>
           </xsd:element>
@@ -16441,7 +17002,7 @@
       </xsd:complexType>
     </xsd:element>
   </xsd:schema>
-  <xsd:schema xmlns:xsd="http://www.w3.org/2001/XMLSchema" xmlns:xs="http://www.w3.org/2001/XMLSchema" xmlns:dms="http://schemas.microsoft.com/office/2006/documentManagement/types" xmlns:pc="http://schemas.microsoft.com/office/infopath/2007/PartnerControls" targetNamespace="1b62386d-33d0-4b59-bb71-91882663d621" elementFormDefault="qualified">
+  <xsd:schema xmlns:xsd="http://www.w3.org/2001/XMLSchema" xmlns:xs="http://www.w3.org/2001/XMLSchema" xmlns:dms="http://schemas.microsoft.com/office/2006/documentManagement/types" xmlns:pc="http://schemas.microsoft.com/office/infopath/2007/PartnerControls" targetNamespace="f577acbf-5b0b-4b4f-9948-268e97f8d3a4" elementFormDefault="qualified">
     <xsd:import namespace="http://schemas.microsoft.com/office/2006/documentManagement/types"/>
     <xsd:import namespace="http://schemas.microsoft.com/office/infopath/2007/PartnerControls"/>
     <xsd:element name="MediaServiceMetadata" ma:index="8" nillable="true" ma:displayName="MediaServiceMetadata" ma:hidden="true" ma:internalName="MediaServiceMetadata" ma:readOnly="true">
@@ -16452,6 +17013,117 @@
     <xsd:element name="MediaServiceFastMetadata" ma:index="9" nillable="true" ma:displayName="MediaServiceFastMetadata" ma:hidden="true" ma:internalName="MediaServiceFastMetadata" ma:readOnly="true">
       <xsd:simpleType>
         <xsd:restriction base="dms:Note"/>
+      </xsd:simpleType>
+    </xsd:element>
+    <xsd:element name="Document_x0020_Purpose" ma:index="14" nillable="true" ma:displayName="Document Purpose" ma:default="Informational" ma:format="Dropdown" ma:internalName="Document_x0020_Purpose">
+      <xsd:simpleType>
+        <xsd:restriction base="dms:Choice">
+          <xsd:enumeration value="Informational"/>
+          <xsd:enumeration value="Feature Spec"/>
+          <xsd:enumeration value="Engineering Design"/>
+          <xsd:enumeration value="Planning"/>
+        </xsd:restriction>
+      </xsd:simpleType>
+    </xsd:element>
+    <xsd:element name="Initiatives" ma:index="15" nillable="true" ma:displayName="Initiatives" ma:description="List of initiatives related to this document" ma:internalName="Initiatives">
+      <xsd:complexType>
+        <xsd:complexContent>
+          <xsd:extension base="dms:MultiChoice">
+            <xsd:sequence>
+              <xsd:element name="Value" maxOccurs="unbounded" minOccurs="0" nillable="true">
+                <xsd:simpleType>
+                  <xsd:restriction base="dms:Choice">
+                    <xsd:enumeration value="Add-in MAU"/>
+                    <xsd:enumeration value="Custom Functions"/>
+                    <xsd:enumeration value="Data &amp; Analytics"/>
+                    <xsd:enumeration value="DevEx: Portals &amp; Programs"/>
+                    <xsd:enumeration value="DevEx: Tools &amp; Libraries"/>
+                    <xsd:enumeration value="Engineering"/>
+                    <xsd:enumeration value="Excel API"/>
+                    <xsd:enumeration value="In-Market Support"/>
+                    <xsd:enumeration value="Maker Access"/>
+                    <xsd:enumeration value="SDX Runtime &amp; Partners"/>
+                    <xsd:enumeration value="SDX Service Delivery"/>
+                    <xsd:enumeration value="SDX API &amp; Pipeline"/>
+                    <xsd:enumeration value="Shield &amp; OCE"/>
+                  </xsd:restriction>
+                </xsd:simpleType>
+              </xsd:element>
+            </xsd:sequence>
+          </xsd:extension>
+        </xsd:complexContent>
+      </xsd:complexType>
+    </xsd:element>
+    <xsd:element name="MediaServiceDateTaken" ma:index="16" nillable="true" ma:displayName="MediaServiceDateTaken" ma:hidden="true" ma:internalName="MediaServiceDateTaken" ma:readOnly="true">
+      <xsd:simpleType>
+        <xsd:restriction base="dms:Text"/>
+      </xsd:simpleType>
+    </xsd:element>
+    <xsd:element name="MediaServiceAutoTags" ma:index="17" nillable="true" ma:displayName="MediaServiceAutoTags" ma:internalName="MediaServiceAutoTags" ma:readOnly="true">
+      <xsd:simpleType>
+        <xsd:restriction base="dms:Text"/>
+      </xsd:simpleType>
+    </xsd:element>
+    <xsd:element name="MediaServiceOCR" ma:index="18" nillable="true" ma:displayName="MediaServiceOCR" ma:internalName="MediaServiceOCR" ma:readOnly="true">
+      <xsd:simpleType>
+        <xsd:restriction base="dms:Note">
+          <xsd:maxLength value="255"/>
+        </xsd:restriction>
+      </xsd:simpleType>
+    </xsd:element>
+    <xsd:element name="MediaServiceLocation" ma:index="19" nillable="true" ma:displayName="MediaServiceLocation" ma:internalName="MediaServiceLocation" ma:readOnly="true">
+      <xsd:simpleType>
+        <xsd:restriction base="dms:Text"/>
+      </xsd:simpleType>
+    </xsd:element>
+    <xsd:element name="MediaServiceEventHashCode" ma:index="20" nillable="true" ma:displayName="MediaServiceEventHashCode" ma:hidden="true" ma:internalName="MediaServiceEventHashCode" ma:readOnly="true">
+      <xsd:simpleType>
+        <xsd:restriction base="dms:Text"/>
+      </xsd:simpleType>
+    </xsd:element>
+    <xsd:element name="MediaServiceGenerationTime" ma:index="21" nillable="true" ma:displayName="MediaServiceGenerationTime" ma:hidden="true" ma:internalName="MediaServiceGenerationTime" ma:readOnly="true">
+      <xsd:simpleType>
+        <xsd:restriction base="dms:Text"/>
+      </xsd:simpleType>
+    </xsd:element>
+  </xsd:schema>
+  <xsd:schema xmlns:xsd="http://www.w3.org/2001/XMLSchema" xmlns:xs="http://www.w3.org/2001/XMLSchema" xmlns:dms="http://schemas.microsoft.com/office/2006/documentManagement/types" xmlns:pc="http://schemas.microsoft.com/office/infopath/2007/PartnerControls" targetNamespace="b1e4d6ee-9f6f-43f8-a618-24f3d84da28f" elementFormDefault="qualified">
+    <xsd:import namespace="http://schemas.microsoft.com/office/2006/documentManagement/types"/>
+    <xsd:import namespace="http://schemas.microsoft.com/office/infopath/2007/PartnerControls"/>
+    <xsd:element name="SharedWithUsers" ma:index="10" nillable="true" ma:displayName="Shared With" ma:internalName="SharedWithUsers" ma:readOnly="true">
+      <xsd:complexType>
+        <xsd:complexContent>
+          <xsd:extension base="dms:UserMulti">
+            <xsd:sequence>
+              <xsd:element name="UserInfo" minOccurs="0" maxOccurs="unbounded">
+                <xsd:complexType>
+                  <xsd:sequence>
+                    <xsd:element name="DisplayName" type="xsd:string" minOccurs="0"/>
+                    <xsd:element name="AccountId" type="dms:UserId" minOccurs="0" nillable="true"/>
+                    <xsd:element name="AccountType" type="xsd:string" minOccurs="0"/>
+                  </xsd:sequence>
+                </xsd:complexType>
+              </xsd:element>
+            </xsd:sequence>
+          </xsd:extension>
+        </xsd:complexContent>
+      </xsd:complexType>
+    </xsd:element>
+    <xsd:element name="SharedWithDetails" ma:index="11" nillable="true" ma:displayName="Shared With Details" ma:internalName="SharedWithDetails" ma:readOnly="true">
+      <xsd:simpleType>
+        <xsd:restriction base="dms:Note">
+          <xsd:maxLength value="255"/>
+        </xsd:restriction>
+      </xsd:simpleType>
+    </xsd:element>
+    <xsd:element name="LastSharedByUser" ma:index="12" nillable="true" ma:displayName="Last Shared By User" ma:hidden="true" ma:internalName="LastSharedByUser" ma:readOnly="true">
+      <xsd:simpleType>
+        <xsd:restriction base="dms:Note"/>
+      </xsd:simpleType>
+    </xsd:element>
+    <xsd:element name="LastSharedByTime" ma:index="13" nillable="true" ma:displayName="Last Shared By Time" ma:hidden="true" ma:internalName="LastSharedByTime" ma:readOnly="true">
+      <xsd:simpleType>
+        <xsd:restriction base="dms:DateTime"/>
       </xsd:simpleType>
     </xsd:element>
   </xsd:schema>
@@ -16555,6 +17227,14 @@
 </file>
 
 <file path=customXml/itemProps1.xml><?xml version="1.0" encoding="utf-8"?>
+<ds:datastoreItem xmlns:ds="http://schemas.openxmlformats.org/officeDocument/2006/customXml" ds:itemID="{E21AFCC0-734A-4A90-A597-A1CB34860DCD}">
+  <ds:schemaRefs>
+    <ds:schemaRef ds:uri="http://schemas.microsoft.com/sharepoint/v3/contenttype/forms"/>
+  </ds:schemaRefs>
+</ds:datastoreItem>
+</file>
+
+<file path=customXml/itemProps2.xml><?xml version="1.0" encoding="utf-8"?>
 <ds:datastoreItem xmlns:ds="http://schemas.openxmlformats.org/officeDocument/2006/customXml" ds:itemID="{617AB1FA-2F28-4684-9230-02ACEB6C0B0A}">
   <ds:schemaRefs>
     <ds:schemaRef ds:uri="http://purl.org/dc/elements/1.1/"/>
@@ -16571,22 +17251,15 @@
 </ds:datastoreItem>
 </file>
 
-<file path=customXml/itemProps2.xml><?xml version="1.0" encoding="utf-8"?>
-<ds:datastoreItem xmlns:ds="http://schemas.openxmlformats.org/officeDocument/2006/customXml" ds:itemID="{E21AFCC0-734A-4A90-A597-A1CB34860DCD}">
-  <ds:schemaRefs>
-    <ds:schemaRef ds:uri="http://schemas.microsoft.com/sharepoint/v3/contenttype/forms"/>
-  </ds:schemaRefs>
-</ds:datastoreItem>
-</file>
-
 <file path=customXml/itemProps3.xml><?xml version="1.0" encoding="utf-8"?>
-<ds:datastoreItem xmlns:ds="http://schemas.openxmlformats.org/officeDocument/2006/customXml" ds:itemID="{27CF5EC2-940A-4444-873F-1DCB76B52729}">
+<ds:datastoreItem xmlns:ds="http://schemas.openxmlformats.org/officeDocument/2006/customXml" ds:itemID="{1DD29C39-1C4E-4B06-A1F4-2510F2DACF6E}">
   <ds:schemaRefs>
     <ds:schemaRef ds:uri="http://schemas.microsoft.com/office/2006/metadata/contentType"/>
     <ds:schemaRef ds:uri="http://schemas.microsoft.com/office/2006/metadata/properties/metaAttributes"/>
     <ds:schemaRef ds:uri="http://www.w3.org/2001/XMLSchema"/>
     <ds:schemaRef ds:uri="http://schemas.microsoft.com/office/2006/metadata/properties"/>
-    <ds:schemaRef ds:uri="1b62386d-33d0-4b59-bb71-91882663d621"/>
+    <ds:schemaRef ds:uri="f577acbf-5b0b-4b4f-9948-268e97f8d3a4"/>
+    <ds:schemaRef ds:uri="b1e4d6ee-9f6f-43f8-a618-24f3d84da28f"/>
     <ds:schemaRef ds:uri="http://schemas.microsoft.com/office/2006/documentManagement/types"/>
     <ds:schemaRef ds:uri="http://schemas.microsoft.com/office/infopath/2007/PartnerControls"/>
     <ds:schemaRef ds:uri="http://schemas.openxmlformats.org/package/2006/metadata/core-properties"/>
